--- a/Evaluation Tool.pptx
+++ b/Evaluation Tool.pptx
@@ -5,13 +5,16 @@
     <p:sldMasterId id="2147483660" r:id="rId1"/>
   </p:sldMasterIdLst>
   <p:notesMasterIdLst>
-    <p:notesMasterId r:id="rId6"/>
+    <p:notesMasterId r:id="rId9"/>
   </p:notesMasterIdLst>
   <p:sldIdLst>
     <p:sldId id="365" r:id="rId2"/>
     <p:sldId id="366" r:id="rId3"/>
     <p:sldId id="372" r:id="rId4"/>
     <p:sldId id="371" r:id="rId5"/>
+    <p:sldId id="373" r:id="rId6"/>
+    <p:sldId id="374" r:id="rId7"/>
+    <p:sldId id="375" r:id="rId8"/>
   </p:sldIdLst>
   <p:sldSz cx="12192000" cy="6858000"/>
   <p:notesSz cx="6858000" cy="9144000"/>
@@ -200,7 +203,7 @@
           <a:p>
             <a:fld id="{26EC5758-4631-433C-B370-F55D3D292EE0}" type="datetimeFigureOut">
               <a:rPr lang="en-GB" smtClean="0"/>
-              <a:t>12/05/2025</a:t>
+              <a:t>13/05/2025</a:t>
             </a:fld>
             <a:endParaRPr lang="en-GB"/>
           </a:p>
@@ -1845,7 +1848,7 @@
                 <a:latin typeface="Poppins" pitchFamily="2" charset="77"/>
                 <a:cs typeface="Poppins" pitchFamily="2" charset="77"/>
               </a:rPr>
-              <a:t>Feedback Evaluation Tool</a:t>
+              <a:t>Stakeholder Feedback Evaluation Tool</a:t>
             </a:r>
           </a:p>
         </p:txBody>
@@ -2149,7 +2152,7 @@
                 <a:latin typeface="Poppins" pitchFamily="2" charset="77"/>
                 <a:cs typeface="Poppins" pitchFamily="2" charset="77"/>
               </a:rPr>
-              <a:t>Evaluation Tool Overview</a:t>
+              <a:t>Tool Overview</a:t>
             </a:r>
           </a:p>
         </p:txBody>
@@ -5034,6 +5037,3187 @@
       <p:bldP spid="30" grpId="0"/>
     </p:bldLst>
   </p:timing>
+</p:sld>
+</file>
+
+<file path=ppt/slides/slide5.xml><?xml version="1.0" encoding="utf-8"?>
+<p:sld xmlns:a="http://schemas.openxmlformats.org/drawingml/2006/main" xmlns:r="http://schemas.openxmlformats.org/officeDocument/2006/relationships" xmlns:p="http://schemas.openxmlformats.org/presentationml/2006/main">
+  <p:cSld>
+    <p:spTree>
+      <p:nvGrpSpPr>
+        <p:cNvPr id="1" name="">
+          <a:extLst>
+            <a:ext uri="{FF2B5EF4-FFF2-40B4-BE49-F238E27FC236}">
+              <a16:creationId xmlns:a16="http://schemas.microsoft.com/office/drawing/2014/main" id="{017C2BBF-1CC8-F3C6-EC0C-EB1541B20162}"/>
+            </a:ext>
+          </a:extLst>
+        </p:cNvPr>
+        <p:cNvGrpSpPr/>
+        <p:nvPr/>
+      </p:nvGrpSpPr>
+      <p:grpSpPr>
+        <a:xfrm>
+          <a:off x="0" y="0"/>
+          <a:ext cx="0" cy="0"/>
+          <a:chOff x="0" y="0"/>
+          <a:chExt cx="0" cy="0"/>
+        </a:xfrm>
+      </p:grpSpPr>
+      <p:cxnSp>
+        <p:nvCxnSpPr>
+          <p:cNvPr id="42" name="Straight Connector 41">
+            <a:extLst>
+              <a:ext uri="{FF2B5EF4-FFF2-40B4-BE49-F238E27FC236}">
+                <a16:creationId xmlns:a16="http://schemas.microsoft.com/office/drawing/2014/main" id="{08E7EA19-E35A-0EBB-C735-B18B8F73165D}"/>
+              </a:ext>
+            </a:extLst>
+          </p:cNvPr>
+          <p:cNvCxnSpPr/>
+          <p:nvPr/>
+        </p:nvCxnSpPr>
+        <p:spPr>
+          <a:xfrm flipV="1">
+            <a:off x="3520439" y="4262739"/>
+            <a:ext cx="3819145" cy="1"/>
+          </a:xfrm>
+          <a:prstGeom prst="line">
+            <a:avLst/>
+          </a:prstGeom>
+          <a:ln>
+            <a:solidFill>
+              <a:schemeClr val="bg2">
+                <a:lumMod val="75000"/>
+              </a:schemeClr>
+            </a:solidFill>
+            <a:prstDash val="dash"/>
+          </a:ln>
+        </p:spPr>
+        <p:style>
+          <a:lnRef idx="2">
+            <a:schemeClr val="accent1"/>
+          </a:lnRef>
+          <a:fillRef idx="0">
+            <a:schemeClr val="accent1"/>
+          </a:fillRef>
+          <a:effectRef idx="1">
+            <a:schemeClr val="accent1"/>
+          </a:effectRef>
+          <a:fontRef idx="minor">
+            <a:schemeClr val="tx1"/>
+          </a:fontRef>
+        </p:style>
+      </p:cxnSp>
+      <p:cxnSp>
+        <p:nvCxnSpPr>
+          <p:cNvPr id="30" name="Straight Connector 29">
+            <a:extLst>
+              <a:ext uri="{FF2B5EF4-FFF2-40B4-BE49-F238E27FC236}">
+                <a16:creationId xmlns:a16="http://schemas.microsoft.com/office/drawing/2014/main" id="{43C6AA0B-B68F-F1EC-8968-920109E74C58}"/>
+              </a:ext>
+            </a:extLst>
+          </p:cNvPr>
+          <p:cNvCxnSpPr>
+            <a:stCxn id="4" idx="3"/>
+          </p:cNvCxnSpPr>
+          <p:nvPr/>
+        </p:nvCxnSpPr>
+        <p:spPr>
+          <a:xfrm flipV="1">
+            <a:off x="3520439" y="2482565"/>
+            <a:ext cx="3819145" cy="1"/>
+          </a:xfrm>
+          <a:prstGeom prst="line">
+            <a:avLst/>
+          </a:prstGeom>
+          <a:ln>
+            <a:solidFill>
+              <a:schemeClr val="bg2">
+                <a:lumMod val="75000"/>
+              </a:schemeClr>
+            </a:solidFill>
+            <a:prstDash val="dash"/>
+          </a:ln>
+        </p:spPr>
+        <p:style>
+          <a:lnRef idx="2">
+            <a:schemeClr val="accent1"/>
+          </a:lnRef>
+          <a:fillRef idx="0">
+            <a:schemeClr val="accent1"/>
+          </a:fillRef>
+          <a:effectRef idx="1">
+            <a:schemeClr val="accent1"/>
+          </a:effectRef>
+          <a:fontRef idx="minor">
+            <a:schemeClr val="tx1"/>
+          </a:fontRef>
+        </p:style>
+      </p:cxnSp>
+      <p:sp>
+        <p:nvSpPr>
+          <p:cNvPr id="2" name="Title 1">
+            <a:extLst>
+              <a:ext uri="{FF2B5EF4-FFF2-40B4-BE49-F238E27FC236}">
+                <a16:creationId xmlns:a16="http://schemas.microsoft.com/office/drawing/2014/main" id="{19CE16B4-C990-5BD8-B048-543820D43CA9}"/>
+              </a:ext>
+            </a:extLst>
+          </p:cNvPr>
+          <p:cNvSpPr>
+            <a:spLocks noGrp="1"/>
+          </p:cNvSpPr>
+          <p:nvPr>
+            <p:ph type="title"/>
+          </p:nvPr>
+        </p:nvSpPr>
+        <p:spPr>
+          <a:xfrm>
+            <a:off x="283927" y="249171"/>
+            <a:ext cx="10718056" cy="1044000"/>
+          </a:xfrm>
+        </p:spPr>
+        <p:txBody>
+          <a:bodyPr>
+            <a:noAutofit/>
+          </a:bodyPr>
+          <a:lstStyle/>
+          <a:p>
+            <a:r>
+              <a:rPr lang="en-US" sz="4400" dirty="0"/>
+              <a:t>Feedback </a:t>
+            </a:r>
+            <a:r>
+              <a:rPr lang="en-US" sz="4400" dirty="0" err="1"/>
+              <a:t>Analyser</a:t>
+            </a:r>
+            <a:r>
+              <a:rPr lang="en-US" sz="4400" dirty="0"/>
+              <a:t>: Step 1</a:t>
+            </a:r>
+            <a:endParaRPr lang="en-GB" sz="4400" dirty="0"/>
+          </a:p>
+        </p:txBody>
+      </p:sp>
+      <p:sp>
+        <p:nvSpPr>
+          <p:cNvPr id="4" name="Rectangle 3">
+            <a:extLst>
+              <a:ext uri="{FF2B5EF4-FFF2-40B4-BE49-F238E27FC236}">
+                <a16:creationId xmlns:a16="http://schemas.microsoft.com/office/drawing/2014/main" id="{8545994A-80A9-D1B6-59CD-2A55938F9696}"/>
+              </a:ext>
+            </a:extLst>
+          </p:cNvPr>
+          <p:cNvSpPr/>
+          <p:nvPr/>
+        </p:nvSpPr>
+        <p:spPr>
+          <a:xfrm>
+            <a:off x="1061166" y="1817996"/>
+            <a:ext cx="2459273" cy="1329139"/>
+          </a:xfrm>
+          <a:prstGeom prst="rect">
+            <a:avLst/>
+          </a:prstGeom>
+          <a:ln>
+            <a:noFill/>
+          </a:ln>
+        </p:spPr>
+        <p:style>
+          <a:lnRef idx="2">
+            <a:schemeClr val="accent1">
+              <a:shade val="15000"/>
+            </a:schemeClr>
+          </a:lnRef>
+          <a:fillRef idx="1">
+            <a:schemeClr val="accent1"/>
+          </a:fillRef>
+          <a:effectRef idx="0">
+            <a:schemeClr val="accent1"/>
+          </a:effectRef>
+          <a:fontRef idx="minor">
+            <a:schemeClr val="lt1"/>
+          </a:fontRef>
+        </p:style>
+        <p:txBody>
+          <a:bodyPr rtlCol="0" anchor="ctr"/>
+          <a:lstStyle/>
+          <a:p>
+            <a:r>
+              <a:rPr lang="en-US" sz="1200" dirty="0">
+                <a:solidFill>
+                  <a:schemeClr val="bg2"/>
+                </a:solidFill>
+                <a:latin typeface="Poppins" panose="00000500000000000000" pitchFamily="2" charset="0"/>
+                <a:cs typeface="Poppins" panose="00000500000000000000" pitchFamily="2" charset="0"/>
+              </a:rPr>
+              <a:t>“There was no proper explanation of what work would be done. I only found out about scaffolding going up the day it happened. Poor planning from the council.”</a:t>
+            </a:r>
+            <a:endParaRPr lang="en-GB" sz="900" dirty="0">
+              <a:solidFill>
+                <a:schemeClr val="bg2"/>
+              </a:solidFill>
+            </a:endParaRPr>
+          </a:p>
+        </p:txBody>
+      </p:sp>
+      <p:sp>
+        <p:nvSpPr>
+          <p:cNvPr id="5" name="Rectangle 4">
+            <a:extLst>
+              <a:ext uri="{FF2B5EF4-FFF2-40B4-BE49-F238E27FC236}">
+                <a16:creationId xmlns:a16="http://schemas.microsoft.com/office/drawing/2014/main" id="{E12FCF6F-AAD2-1AD7-1DA4-00B48BEF1096}"/>
+              </a:ext>
+            </a:extLst>
+          </p:cNvPr>
+          <p:cNvSpPr/>
+          <p:nvPr/>
+        </p:nvSpPr>
+        <p:spPr>
+          <a:xfrm>
+            <a:off x="1065968" y="3401659"/>
+            <a:ext cx="2459273" cy="1329139"/>
+          </a:xfrm>
+          <a:prstGeom prst="rect">
+            <a:avLst/>
+          </a:prstGeom>
+          <a:ln>
+            <a:noFill/>
+          </a:ln>
+        </p:spPr>
+        <p:style>
+          <a:lnRef idx="2">
+            <a:schemeClr val="accent1">
+              <a:shade val="15000"/>
+            </a:schemeClr>
+          </a:lnRef>
+          <a:fillRef idx="1">
+            <a:schemeClr val="accent1"/>
+          </a:fillRef>
+          <a:effectRef idx="0">
+            <a:schemeClr val="accent1"/>
+          </a:effectRef>
+          <a:fontRef idx="minor">
+            <a:schemeClr val="lt1"/>
+          </a:fontRef>
+        </p:style>
+        <p:txBody>
+          <a:bodyPr rtlCol="0" anchor="ctr"/>
+          <a:lstStyle/>
+          <a:p>
+            <a:r>
+              <a:rPr lang="en-US" sz="1200" dirty="0">
+                <a:solidFill>
+                  <a:schemeClr val="bg2"/>
+                </a:solidFill>
+                <a:latin typeface="Poppins" panose="00000500000000000000" pitchFamily="2" charset="0"/>
+                <a:cs typeface="Poppins" panose="00000500000000000000" pitchFamily="2" charset="0"/>
+              </a:rPr>
+              <a:t>“The workers were in and out quickly, and they were very polite. But I did have to take a few days off work unexpectedly, which I wasn't happy about.”</a:t>
+            </a:r>
+          </a:p>
+          <a:p>
+            <a:pPr algn="ctr"/>
+            <a:endParaRPr lang="en-GB" sz="900" dirty="0">
+              <a:solidFill>
+                <a:schemeClr val="bg2"/>
+              </a:solidFill>
+            </a:endParaRPr>
+          </a:p>
+        </p:txBody>
+      </p:sp>
+      <p:sp>
+        <p:nvSpPr>
+          <p:cNvPr id="6" name="TextBox 5">
+            <a:extLst>
+              <a:ext uri="{FF2B5EF4-FFF2-40B4-BE49-F238E27FC236}">
+                <a16:creationId xmlns:a16="http://schemas.microsoft.com/office/drawing/2014/main" id="{F344B3D2-EB4B-A84D-C96E-8C4A5BF5703A}"/>
+              </a:ext>
+            </a:extLst>
+          </p:cNvPr>
+          <p:cNvSpPr txBox="1"/>
+          <p:nvPr/>
+        </p:nvSpPr>
+        <p:spPr>
+          <a:xfrm>
+            <a:off x="2112264" y="4793958"/>
+            <a:ext cx="292608" cy="923330"/>
+          </a:xfrm>
+          <a:prstGeom prst="rect">
+            <a:avLst/>
+          </a:prstGeom>
+          <a:noFill/>
+        </p:spPr>
+        <p:txBody>
+          <a:bodyPr wrap="square" rtlCol="0">
+            <a:spAutoFit/>
+          </a:bodyPr>
+          <a:lstStyle/>
+          <a:p>
+            <a:r>
+              <a:rPr lang="en-GB" dirty="0"/>
+              <a:t>.</a:t>
+            </a:r>
+          </a:p>
+          <a:p>
+            <a:r>
+              <a:rPr lang="en-GB" dirty="0"/>
+              <a:t>.</a:t>
+            </a:r>
+          </a:p>
+          <a:p>
+            <a:r>
+              <a:rPr lang="en-GB" dirty="0"/>
+              <a:t>.</a:t>
+            </a:r>
+          </a:p>
+        </p:txBody>
+      </p:sp>
+      <p:sp>
+        <p:nvSpPr>
+          <p:cNvPr id="7" name="Rectangle 6">
+            <a:extLst>
+              <a:ext uri="{FF2B5EF4-FFF2-40B4-BE49-F238E27FC236}">
+                <a16:creationId xmlns:a16="http://schemas.microsoft.com/office/drawing/2014/main" id="{9475080C-5BD3-D501-DF92-DC799AE50A44}"/>
+              </a:ext>
+            </a:extLst>
+          </p:cNvPr>
+          <p:cNvSpPr/>
+          <p:nvPr/>
+        </p:nvSpPr>
+        <p:spPr>
+          <a:xfrm>
+            <a:off x="1028931" y="5780448"/>
+            <a:ext cx="2459273" cy="332443"/>
+          </a:xfrm>
+          <a:prstGeom prst="rect">
+            <a:avLst/>
+          </a:prstGeom>
+          <a:ln>
+            <a:noFill/>
+          </a:ln>
+        </p:spPr>
+        <p:style>
+          <a:lnRef idx="2">
+            <a:schemeClr val="accent1">
+              <a:shade val="15000"/>
+            </a:schemeClr>
+          </a:lnRef>
+          <a:fillRef idx="1">
+            <a:schemeClr val="accent1"/>
+          </a:fillRef>
+          <a:effectRef idx="0">
+            <a:schemeClr val="accent1"/>
+          </a:effectRef>
+          <a:fontRef idx="minor">
+            <a:schemeClr val="lt1"/>
+          </a:fontRef>
+        </p:style>
+        <p:txBody>
+          <a:bodyPr rtlCol="0" anchor="ctr"/>
+          <a:lstStyle/>
+          <a:p>
+            <a:pPr algn="ctr"/>
+            <a:r>
+              <a:rPr lang="en-GB" sz="900" dirty="0">
+                <a:solidFill>
+                  <a:schemeClr val="bg2"/>
+                </a:solidFill>
+              </a:rPr>
+              <a:t>“……” </a:t>
+            </a:r>
+          </a:p>
+        </p:txBody>
+      </p:sp>
+      <p:cxnSp>
+        <p:nvCxnSpPr>
+          <p:cNvPr id="9" name="Straight Arrow Connector 8">
+            <a:extLst>
+              <a:ext uri="{FF2B5EF4-FFF2-40B4-BE49-F238E27FC236}">
+                <a16:creationId xmlns:a16="http://schemas.microsoft.com/office/drawing/2014/main" id="{93B4367F-774C-170F-22C6-08D56A9F21CC}"/>
+              </a:ext>
+            </a:extLst>
+          </p:cNvPr>
+          <p:cNvCxnSpPr>
+            <a:cxnSpLocks/>
+            <a:stCxn id="4" idx="3"/>
+            <a:endCxn id="1028" idx="1"/>
+          </p:cNvCxnSpPr>
+          <p:nvPr/>
+        </p:nvCxnSpPr>
+        <p:spPr>
+          <a:xfrm>
+            <a:off x="3520439" y="2482566"/>
+            <a:ext cx="1195490" cy="960375"/>
+          </a:xfrm>
+          <a:prstGeom prst="straightConnector1">
+            <a:avLst/>
+          </a:prstGeom>
+          <a:ln w="57150" cap="flat" cmpd="sng" algn="ctr">
+            <a:solidFill>
+              <a:schemeClr val="accent1"/>
+            </a:solidFill>
+            <a:prstDash val="solid"/>
+            <a:round/>
+            <a:headEnd type="none" w="med" len="med"/>
+            <a:tailEnd type="arrow" w="med" len="med"/>
+          </a:ln>
+        </p:spPr>
+        <p:style>
+          <a:lnRef idx="0">
+            <a:scrgbClr r="0" g="0" b="0"/>
+          </a:lnRef>
+          <a:fillRef idx="0">
+            <a:scrgbClr r="0" g="0" b="0"/>
+          </a:fillRef>
+          <a:effectRef idx="0">
+            <a:scrgbClr r="0" g="0" b="0"/>
+          </a:effectRef>
+          <a:fontRef idx="minor">
+            <a:schemeClr val="tx1"/>
+          </a:fontRef>
+        </p:style>
+      </p:cxnSp>
+      <p:cxnSp>
+        <p:nvCxnSpPr>
+          <p:cNvPr id="16" name="Straight Arrow Connector 15">
+            <a:extLst>
+              <a:ext uri="{FF2B5EF4-FFF2-40B4-BE49-F238E27FC236}">
+                <a16:creationId xmlns:a16="http://schemas.microsoft.com/office/drawing/2014/main" id="{673340B4-3C26-2D6A-8D86-10E280F53073}"/>
+              </a:ext>
+            </a:extLst>
+          </p:cNvPr>
+          <p:cNvCxnSpPr>
+            <a:cxnSpLocks/>
+            <a:stCxn id="5" idx="3"/>
+            <a:endCxn id="1028" idx="2"/>
+          </p:cNvCxnSpPr>
+          <p:nvPr/>
+        </p:nvCxnSpPr>
+        <p:spPr>
+          <a:xfrm flipV="1">
+            <a:off x="3525241" y="3916472"/>
+            <a:ext cx="994545" cy="149757"/>
+          </a:xfrm>
+          <a:prstGeom prst="straightConnector1">
+            <a:avLst/>
+          </a:prstGeom>
+          <a:ln w="57150" cap="flat" cmpd="sng" algn="ctr">
+            <a:solidFill>
+              <a:schemeClr val="accent1"/>
+            </a:solidFill>
+            <a:prstDash val="solid"/>
+            <a:round/>
+            <a:headEnd type="none" w="med" len="med"/>
+            <a:tailEnd type="arrow" w="med" len="med"/>
+          </a:ln>
+        </p:spPr>
+        <p:style>
+          <a:lnRef idx="0">
+            <a:scrgbClr r="0" g="0" b="0"/>
+          </a:lnRef>
+          <a:fillRef idx="0">
+            <a:scrgbClr r="0" g="0" b="0"/>
+          </a:fillRef>
+          <a:effectRef idx="0">
+            <a:scrgbClr r="0" g="0" b="0"/>
+          </a:effectRef>
+          <a:fontRef idx="minor">
+            <a:schemeClr val="tx1"/>
+          </a:fontRef>
+        </p:style>
+      </p:cxnSp>
+      <p:cxnSp>
+        <p:nvCxnSpPr>
+          <p:cNvPr id="19" name="Straight Arrow Connector 18">
+            <a:extLst>
+              <a:ext uri="{FF2B5EF4-FFF2-40B4-BE49-F238E27FC236}">
+                <a16:creationId xmlns:a16="http://schemas.microsoft.com/office/drawing/2014/main" id="{3777267D-217C-6982-E618-B8AA839683A3}"/>
+              </a:ext>
+            </a:extLst>
+          </p:cNvPr>
+          <p:cNvCxnSpPr>
+            <a:cxnSpLocks/>
+            <a:stCxn id="7" idx="3"/>
+            <a:endCxn id="1028" idx="3"/>
+          </p:cNvCxnSpPr>
+          <p:nvPr/>
+        </p:nvCxnSpPr>
+        <p:spPr>
+          <a:xfrm flipV="1">
+            <a:off x="3488204" y="4390002"/>
+            <a:ext cx="1227725" cy="1556668"/>
+          </a:xfrm>
+          <a:prstGeom prst="straightConnector1">
+            <a:avLst/>
+          </a:prstGeom>
+          <a:ln w="57150" cap="flat" cmpd="sng" algn="ctr">
+            <a:solidFill>
+              <a:schemeClr val="accent1"/>
+            </a:solidFill>
+            <a:prstDash val="solid"/>
+            <a:round/>
+            <a:headEnd type="none" w="med" len="med"/>
+            <a:tailEnd type="arrow" w="med" len="med"/>
+          </a:ln>
+        </p:spPr>
+        <p:style>
+          <a:lnRef idx="0">
+            <a:scrgbClr r="0" g="0" b="0"/>
+          </a:lnRef>
+          <a:fillRef idx="0">
+            <a:scrgbClr r="0" g="0" b="0"/>
+          </a:fillRef>
+          <a:effectRef idx="0">
+            <a:scrgbClr r="0" g="0" b="0"/>
+          </a:effectRef>
+          <a:fontRef idx="minor">
+            <a:schemeClr val="tx1"/>
+          </a:fontRef>
+        </p:style>
+      </p:cxnSp>
+      <p:sp>
+        <p:nvSpPr>
+          <p:cNvPr id="26" name="Speech Bubble: Rectangle 25">
+            <a:extLst>
+              <a:ext uri="{FF2B5EF4-FFF2-40B4-BE49-F238E27FC236}">
+                <a16:creationId xmlns:a16="http://schemas.microsoft.com/office/drawing/2014/main" id="{C4C4BACE-BC38-8A14-10B9-E8CA95961BE2}"/>
+              </a:ext>
+            </a:extLst>
+          </p:cNvPr>
+          <p:cNvSpPr/>
+          <p:nvPr/>
+        </p:nvSpPr>
+        <p:spPr>
+          <a:xfrm>
+            <a:off x="4582251" y="1685998"/>
+            <a:ext cx="1837944" cy="1329139"/>
+          </a:xfrm>
+          <a:prstGeom prst="wedgeRectCallout">
+            <a:avLst/>
+          </a:prstGeom>
+          <a:ln>
+            <a:noFill/>
+          </a:ln>
+        </p:spPr>
+        <p:style>
+          <a:lnRef idx="2">
+            <a:schemeClr val="accent4">
+              <a:shade val="15000"/>
+            </a:schemeClr>
+          </a:lnRef>
+          <a:fillRef idx="1">
+            <a:schemeClr val="accent4"/>
+          </a:fillRef>
+          <a:effectRef idx="0">
+            <a:schemeClr val="accent4"/>
+          </a:effectRef>
+          <a:fontRef idx="minor">
+            <a:schemeClr val="lt1"/>
+          </a:fontRef>
+        </p:style>
+        <p:txBody>
+          <a:bodyPr rtlCol="0" anchor="ctr"/>
+          <a:lstStyle/>
+          <a:p>
+            <a:pPr algn="ctr"/>
+            <a:r>
+              <a:rPr lang="en-GB" sz="1200" dirty="0">
+                <a:solidFill>
+                  <a:schemeClr val="accent1"/>
+                </a:solidFill>
+                <a:latin typeface="Poppins" panose="00000500000000000000" pitchFamily="2" charset="0"/>
+                <a:cs typeface="Poppins" panose="00000500000000000000" pitchFamily="2" charset="0"/>
+              </a:rPr>
+              <a:t>“Extract relevant themes and corresponding sentiment scores. (1 very negative – 5 very positive”)</a:t>
+            </a:r>
+          </a:p>
+        </p:txBody>
+      </p:sp>
+      <p:sp>
+        <p:nvSpPr>
+          <p:cNvPr id="28" name="Rectangle 27">
+            <a:extLst>
+              <a:ext uri="{FF2B5EF4-FFF2-40B4-BE49-F238E27FC236}">
+                <a16:creationId xmlns:a16="http://schemas.microsoft.com/office/drawing/2014/main" id="{AD26091F-1893-ACCE-3340-391DF51EC7A3}"/>
+              </a:ext>
+            </a:extLst>
+          </p:cNvPr>
+          <p:cNvSpPr/>
+          <p:nvPr/>
+        </p:nvSpPr>
+        <p:spPr>
+          <a:xfrm>
+            <a:off x="7339584" y="1489681"/>
+            <a:ext cx="3356311" cy="1657454"/>
+          </a:xfrm>
+          <a:prstGeom prst="rect">
+            <a:avLst/>
+          </a:prstGeom>
+          <a:ln>
+            <a:noFill/>
+          </a:ln>
+        </p:spPr>
+        <p:style>
+          <a:lnRef idx="2">
+            <a:schemeClr val="accent1">
+              <a:shade val="15000"/>
+            </a:schemeClr>
+          </a:lnRef>
+          <a:fillRef idx="1">
+            <a:schemeClr val="accent1"/>
+          </a:fillRef>
+          <a:effectRef idx="0">
+            <a:schemeClr val="accent1"/>
+          </a:effectRef>
+          <a:fontRef idx="minor">
+            <a:schemeClr val="lt1"/>
+          </a:fontRef>
+        </p:style>
+        <p:txBody>
+          <a:bodyPr rtlCol="0" anchor="ctr"/>
+          <a:lstStyle/>
+          <a:p>
+            <a:pPr marL="228600" indent="-228600">
+              <a:buFont typeface="+mj-lt"/>
+              <a:buAutoNum type="arabicPeriod"/>
+            </a:pPr>
+            <a:r>
+              <a:rPr lang="en-US" sz="1200" dirty="0">
+                <a:solidFill>
+                  <a:schemeClr val="bg2"/>
+                </a:solidFill>
+                <a:latin typeface="Poppins" panose="00000500000000000000" pitchFamily="2" charset="0"/>
+                <a:cs typeface="Poppins" panose="00000500000000000000" pitchFamily="2" charset="0"/>
+              </a:rPr>
+              <a:t>[{'theme': 'Worker Conduct', 'sentiment': 5}, </a:t>
+            </a:r>
+          </a:p>
+          <a:p>
+            <a:pPr marL="228600" indent="-228600">
+              <a:buFont typeface="+mj-lt"/>
+              <a:buAutoNum type="arabicPeriod"/>
+            </a:pPr>
+            <a:r>
+              <a:rPr lang="en-US" sz="1200" dirty="0">
+                <a:solidFill>
+                  <a:schemeClr val="bg2"/>
+                </a:solidFill>
+                <a:latin typeface="Poppins" panose="00000500000000000000" pitchFamily="2" charset="0"/>
+                <a:cs typeface="Poppins" panose="00000500000000000000" pitchFamily="2" charset="0"/>
+              </a:rPr>
+              <a:t>{'theme': 'Project Efficiency', 'sentiment': 5}, {</a:t>
+            </a:r>
+          </a:p>
+          <a:p>
+            <a:pPr marL="228600" indent="-228600">
+              <a:buFont typeface="+mj-lt"/>
+              <a:buAutoNum type="arabicPeriod"/>
+            </a:pPr>
+            <a:r>
+              <a:rPr lang="en-US" sz="1200" dirty="0">
+                <a:solidFill>
+                  <a:schemeClr val="bg2"/>
+                </a:solidFill>
+                <a:latin typeface="Poppins" panose="00000500000000000000" pitchFamily="2" charset="0"/>
+                <a:cs typeface="Poppins" panose="00000500000000000000" pitchFamily="2" charset="0"/>
+              </a:rPr>
+              <a:t>'theme': 'Scheduling and Planning', 'sentiment': 2}, </a:t>
+            </a:r>
+          </a:p>
+          <a:p>
+            <a:pPr marL="228600" indent="-228600">
+              <a:buFont typeface="+mj-lt"/>
+              <a:buAutoNum type="arabicPeriod"/>
+            </a:pPr>
+            <a:r>
+              <a:rPr lang="en-US" sz="1200" dirty="0">
+                <a:solidFill>
+                  <a:schemeClr val="bg2"/>
+                </a:solidFill>
+                <a:latin typeface="Poppins" panose="00000500000000000000" pitchFamily="2" charset="0"/>
+                <a:cs typeface="Poppins" panose="00000500000000000000" pitchFamily="2" charset="0"/>
+              </a:rPr>
+              <a:t>{'theme': 'Disruption', 'sentiment': 2}]</a:t>
+            </a:r>
+            <a:endParaRPr lang="en-GB" sz="900" dirty="0">
+              <a:solidFill>
+                <a:schemeClr val="bg2"/>
+              </a:solidFill>
+            </a:endParaRPr>
+          </a:p>
+        </p:txBody>
+      </p:sp>
+      <p:sp>
+        <p:nvSpPr>
+          <p:cNvPr id="31" name="Rectangle 30">
+            <a:extLst>
+              <a:ext uri="{FF2B5EF4-FFF2-40B4-BE49-F238E27FC236}">
+                <a16:creationId xmlns:a16="http://schemas.microsoft.com/office/drawing/2014/main" id="{AEA33E94-499B-8FEE-5B74-AB043ABC26D2}"/>
+              </a:ext>
+            </a:extLst>
+          </p:cNvPr>
+          <p:cNvSpPr/>
+          <p:nvPr/>
+        </p:nvSpPr>
+        <p:spPr>
+          <a:xfrm>
+            <a:off x="7339584" y="3421637"/>
+            <a:ext cx="3356311" cy="1064844"/>
+          </a:xfrm>
+          <a:prstGeom prst="rect">
+            <a:avLst/>
+          </a:prstGeom>
+          <a:ln>
+            <a:noFill/>
+          </a:ln>
+        </p:spPr>
+        <p:style>
+          <a:lnRef idx="2">
+            <a:schemeClr val="accent1">
+              <a:shade val="15000"/>
+            </a:schemeClr>
+          </a:lnRef>
+          <a:fillRef idx="1">
+            <a:schemeClr val="accent1"/>
+          </a:fillRef>
+          <a:effectRef idx="0">
+            <a:schemeClr val="accent1"/>
+          </a:effectRef>
+          <a:fontRef idx="minor">
+            <a:schemeClr val="lt1"/>
+          </a:fontRef>
+        </p:style>
+        <p:txBody>
+          <a:bodyPr rtlCol="0" anchor="ctr"/>
+          <a:lstStyle/>
+          <a:p>
+            <a:pPr marL="228600" indent="-228600">
+              <a:buFont typeface="+mj-lt"/>
+              <a:buAutoNum type="arabicPeriod"/>
+            </a:pPr>
+            <a:r>
+              <a:rPr lang="en-US" sz="1200" dirty="0">
+                <a:solidFill>
+                  <a:schemeClr val="bg2"/>
+                </a:solidFill>
+                <a:latin typeface="Poppins" panose="00000500000000000000" pitchFamily="2" charset="0"/>
+                <a:cs typeface="Poppins" panose="00000500000000000000" pitchFamily="2" charset="0"/>
+              </a:rPr>
+              <a:t>{'theme': 'Overall Improvement', 'sentiment': 4},</a:t>
+            </a:r>
+          </a:p>
+          <a:p>
+            <a:pPr marL="228600" indent="-228600">
+              <a:buFont typeface="+mj-lt"/>
+              <a:buAutoNum type="arabicPeriod"/>
+            </a:pPr>
+            <a:r>
+              <a:rPr lang="en-US" sz="1200" dirty="0">
+                <a:solidFill>
+                  <a:schemeClr val="bg2"/>
+                </a:solidFill>
+                <a:latin typeface="Poppins" panose="00000500000000000000" pitchFamily="2" charset="0"/>
+                <a:cs typeface="Poppins" panose="00000500000000000000" pitchFamily="2" charset="0"/>
+              </a:rPr>
+              <a:t>{'theme': 'Workmanship Quality (Painting)', 'sentiment': 2}</a:t>
+            </a:r>
+            <a:endParaRPr lang="en-GB" sz="900" dirty="0">
+              <a:solidFill>
+                <a:schemeClr val="bg2"/>
+              </a:solidFill>
+            </a:endParaRPr>
+          </a:p>
+        </p:txBody>
+      </p:sp>
+      <p:sp>
+        <p:nvSpPr>
+          <p:cNvPr id="32" name="TextBox 31">
+            <a:extLst>
+              <a:ext uri="{FF2B5EF4-FFF2-40B4-BE49-F238E27FC236}">
+                <a16:creationId xmlns:a16="http://schemas.microsoft.com/office/drawing/2014/main" id="{A9B5573B-33B2-890F-4286-B85D230FF3D0}"/>
+              </a:ext>
+            </a:extLst>
+          </p:cNvPr>
+          <p:cNvSpPr txBox="1"/>
+          <p:nvPr/>
+        </p:nvSpPr>
+        <p:spPr>
+          <a:xfrm>
+            <a:off x="8884273" y="4486481"/>
+            <a:ext cx="266931" cy="923330"/>
+          </a:xfrm>
+          <a:prstGeom prst="rect">
+            <a:avLst/>
+          </a:prstGeom>
+          <a:noFill/>
+        </p:spPr>
+        <p:txBody>
+          <a:bodyPr wrap="square" rtlCol="0">
+            <a:spAutoFit/>
+          </a:bodyPr>
+          <a:lstStyle/>
+          <a:p>
+            <a:r>
+              <a:rPr lang="en-GB" dirty="0"/>
+              <a:t>.</a:t>
+            </a:r>
+          </a:p>
+          <a:p>
+            <a:r>
+              <a:rPr lang="en-GB" dirty="0"/>
+              <a:t>.</a:t>
+            </a:r>
+          </a:p>
+          <a:p>
+            <a:r>
+              <a:rPr lang="en-GB" dirty="0"/>
+              <a:t>.</a:t>
+            </a:r>
+          </a:p>
+        </p:txBody>
+      </p:sp>
+      <p:sp>
+        <p:nvSpPr>
+          <p:cNvPr id="33" name="Rectangle 32">
+            <a:extLst>
+              <a:ext uri="{FF2B5EF4-FFF2-40B4-BE49-F238E27FC236}">
+                <a16:creationId xmlns:a16="http://schemas.microsoft.com/office/drawing/2014/main" id="{0A1A2923-601D-094E-5AB7-C5170ECE3A77}"/>
+              </a:ext>
+            </a:extLst>
+          </p:cNvPr>
+          <p:cNvSpPr/>
+          <p:nvPr/>
+        </p:nvSpPr>
+        <p:spPr>
+          <a:xfrm>
+            <a:off x="7356117" y="5435864"/>
+            <a:ext cx="3356311" cy="332443"/>
+          </a:xfrm>
+          <a:prstGeom prst="rect">
+            <a:avLst/>
+          </a:prstGeom>
+          <a:ln>
+            <a:noFill/>
+          </a:ln>
+        </p:spPr>
+        <p:style>
+          <a:lnRef idx="2">
+            <a:schemeClr val="accent1">
+              <a:shade val="15000"/>
+            </a:schemeClr>
+          </a:lnRef>
+          <a:fillRef idx="1">
+            <a:schemeClr val="accent1"/>
+          </a:fillRef>
+          <a:effectRef idx="0">
+            <a:schemeClr val="accent1"/>
+          </a:effectRef>
+          <a:fontRef idx="minor">
+            <a:schemeClr val="lt1"/>
+          </a:fontRef>
+        </p:style>
+        <p:txBody>
+          <a:bodyPr rtlCol="0" anchor="ctr"/>
+          <a:lstStyle/>
+          <a:p>
+            <a:pPr algn="ctr"/>
+            <a:r>
+              <a:rPr lang="en-GB" sz="900" dirty="0">
+                <a:solidFill>
+                  <a:schemeClr val="bg2"/>
+                </a:solidFill>
+              </a:rPr>
+              <a:t>“……” </a:t>
+            </a:r>
+          </a:p>
+        </p:txBody>
+      </p:sp>
+      <p:cxnSp>
+        <p:nvCxnSpPr>
+          <p:cNvPr id="34" name="Straight Arrow Connector 33">
+            <a:extLst>
+              <a:ext uri="{FF2B5EF4-FFF2-40B4-BE49-F238E27FC236}">
+                <a16:creationId xmlns:a16="http://schemas.microsoft.com/office/drawing/2014/main" id="{4F494DAB-411A-FBF0-AAF2-44A143C5084E}"/>
+              </a:ext>
+            </a:extLst>
+          </p:cNvPr>
+          <p:cNvCxnSpPr>
+            <a:cxnSpLocks/>
+            <a:stCxn id="1028" idx="7"/>
+          </p:cNvCxnSpPr>
+          <p:nvPr/>
+        </p:nvCxnSpPr>
+        <p:spPr>
+          <a:xfrm flipV="1">
+            <a:off x="5662990" y="2684822"/>
+            <a:ext cx="1676594" cy="758119"/>
+          </a:xfrm>
+          <a:prstGeom prst="straightConnector1">
+            <a:avLst/>
+          </a:prstGeom>
+          <a:ln w="57150" cap="flat" cmpd="sng" algn="ctr">
+            <a:solidFill>
+              <a:schemeClr val="accent1"/>
+            </a:solidFill>
+            <a:prstDash val="solid"/>
+            <a:round/>
+            <a:headEnd type="none" w="med" len="med"/>
+            <a:tailEnd type="arrow" w="med" len="med"/>
+          </a:ln>
+        </p:spPr>
+        <p:style>
+          <a:lnRef idx="0">
+            <a:scrgbClr r="0" g="0" b="0"/>
+          </a:lnRef>
+          <a:fillRef idx="0">
+            <a:scrgbClr r="0" g="0" b="0"/>
+          </a:fillRef>
+          <a:effectRef idx="0">
+            <a:scrgbClr r="0" g="0" b="0"/>
+          </a:effectRef>
+          <a:fontRef idx="minor">
+            <a:schemeClr val="tx1"/>
+          </a:fontRef>
+        </p:style>
+      </p:cxnSp>
+      <p:cxnSp>
+        <p:nvCxnSpPr>
+          <p:cNvPr id="36" name="Straight Arrow Connector 35">
+            <a:extLst>
+              <a:ext uri="{FF2B5EF4-FFF2-40B4-BE49-F238E27FC236}">
+                <a16:creationId xmlns:a16="http://schemas.microsoft.com/office/drawing/2014/main" id="{2148C067-BD45-2874-E17C-7AA0B8A44CC3}"/>
+              </a:ext>
+            </a:extLst>
+          </p:cNvPr>
+          <p:cNvCxnSpPr>
+            <a:cxnSpLocks/>
+            <a:stCxn id="1028" idx="6"/>
+            <a:endCxn id="31" idx="1"/>
+          </p:cNvCxnSpPr>
+          <p:nvPr/>
+        </p:nvCxnSpPr>
+        <p:spPr>
+          <a:xfrm>
+            <a:off x="5859133" y="3916472"/>
+            <a:ext cx="1480451" cy="37587"/>
+          </a:xfrm>
+          <a:prstGeom prst="straightConnector1">
+            <a:avLst/>
+          </a:prstGeom>
+          <a:ln w="57150" cap="flat" cmpd="sng" algn="ctr">
+            <a:solidFill>
+              <a:schemeClr val="accent1"/>
+            </a:solidFill>
+            <a:prstDash val="solid"/>
+            <a:round/>
+            <a:headEnd type="none" w="med" len="med"/>
+            <a:tailEnd type="arrow" w="med" len="med"/>
+          </a:ln>
+        </p:spPr>
+        <p:style>
+          <a:lnRef idx="0">
+            <a:scrgbClr r="0" g="0" b="0"/>
+          </a:lnRef>
+          <a:fillRef idx="0">
+            <a:scrgbClr r="0" g="0" b="0"/>
+          </a:fillRef>
+          <a:effectRef idx="0">
+            <a:scrgbClr r="0" g="0" b="0"/>
+          </a:effectRef>
+          <a:fontRef idx="minor">
+            <a:schemeClr val="tx1"/>
+          </a:fontRef>
+        </p:style>
+      </p:cxnSp>
+      <p:cxnSp>
+        <p:nvCxnSpPr>
+          <p:cNvPr id="38" name="Straight Arrow Connector 37">
+            <a:extLst>
+              <a:ext uri="{FF2B5EF4-FFF2-40B4-BE49-F238E27FC236}">
+                <a16:creationId xmlns:a16="http://schemas.microsoft.com/office/drawing/2014/main" id="{F94D8921-1E44-E3C9-E078-B0390916A66D}"/>
+              </a:ext>
+            </a:extLst>
+          </p:cNvPr>
+          <p:cNvCxnSpPr>
+            <a:cxnSpLocks/>
+            <a:stCxn id="1028" idx="5"/>
+            <a:endCxn id="33" idx="1"/>
+          </p:cNvCxnSpPr>
+          <p:nvPr/>
+        </p:nvCxnSpPr>
+        <p:spPr>
+          <a:xfrm>
+            <a:off x="5662990" y="4390002"/>
+            <a:ext cx="1693127" cy="1212084"/>
+          </a:xfrm>
+          <a:prstGeom prst="straightConnector1">
+            <a:avLst/>
+          </a:prstGeom>
+          <a:ln w="57150" cap="flat" cmpd="sng" algn="ctr">
+            <a:solidFill>
+              <a:schemeClr val="accent1"/>
+            </a:solidFill>
+            <a:prstDash val="solid"/>
+            <a:round/>
+            <a:headEnd type="none" w="med" len="med"/>
+            <a:tailEnd type="arrow" w="med" len="med"/>
+          </a:ln>
+        </p:spPr>
+        <p:style>
+          <a:lnRef idx="0">
+            <a:scrgbClr r="0" g="0" b="0"/>
+          </a:lnRef>
+          <a:fillRef idx="0">
+            <a:scrgbClr r="0" g="0" b="0"/>
+          </a:fillRef>
+          <a:effectRef idx="0">
+            <a:scrgbClr r="0" g="0" b="0"/>
+          </a:effectRef>
+          <a:fontRef idx="minor">
+            <a:schemeClr val="tx1"/>
+          </a:fontRef>
+        </p:style>
+      </p:cxnSp>
+      <p:cxnSp>
+        <p:nvCxnSpPr>
+          <p:cNvPr id="43" name="Straight Connector 42">
+            <a:extLst>
+              <a:ext uri="{FF2B5EF4-FFF2-40B4-BE49-F238E27FC236}">
+                <a16:creationId xmlns:a16="http://schemas.microsoft.com/office/drawing/2014/main" id="{D7DE3B9D-72EA-88EE-FCB9-736C3F195700}"/>
+              </a:ext>
+            </a:extLst>
+          </p:cNvPr>
+          <p:cNvCxnSpPr>
+            <a:cxnSpLocks/>
+            <a:stCxn id="7" idx="3"/>
+            <a:endCxn id="33" idx="1"/>
+          </p:cNvCxnSpPr>
+          <p:nvPr/>
+        </p:nvCxnSpPr>
+        <p:spPr>
+          <a:xfrm flipV="1">
+            <a:off x="3488204" y="5602086"/>
+            <a:ext cx="3867913" cy="344584"/>
+          </a:xfrm>
+          <a:prstGeom prst="line">
+            <a:avLst/>
+          </a:prstGeom>
+          <a:ln>
+            <a:solidFill>
+              <a:schemeClr val="bg2">
+                <a:lumMod val="75000"/>
+              </a:schemeClr>
+            </a:solidFill>
+            <a:prstDash val="dash"/>
+          </a:ln>
+        </p:spPr>
+        <p:style>
+          <a:lnRef idx="2">
+            <a:schemeClr val="accent1"/>
+          </a:lnRef>
+          <a:fillRef idx="0">
+            <a:schemeClr val="accent1"/>
+          </a:fillRef>
+          <a:effectRef idx="1">
+            <a:schemeClr val="accent1"/>
+          </a:effectRef>
+          <a:fontRef idx="minor">
+            <a:schemeClr val="tx1"/>
+          </a:fontRef>
+        </p:style>
+      </p:cxnSp>
+      <p:pic>
+        <p:nvPicPr>
+          <p:cNvPr id="1028" name="Picture 4" descr="ChatGPT Logo - Chat gpt Icon on White Background 21059827 Vector Art at  Vecteezy">
+            <a:extLst>
+              <a:ext uri="{FF2B5EF4-FFF2-40B4-BE49-F238E27FC236}">
+                <a16:creationId xmlns:a16="http://schemas.microsoft.com/office/drawing/2014/main" id="{89AEA5E3-CA28-D05E-4182-8456B66A61A5}"/>
+              </a:ext>
+            </a:extLst>
+          </p:cNvPr>
+          <p:cNvPicPr>
+            <a:picLocks noChangeAspect="1" noChangeArrowheads="1"/>
+          </p:cNvPicPr>
+          <p:nvPr/>
+        </p:nvPicPr>
+        <p:blipFill>
+          <a:blip r:embed="rId2">
+            <a:extLst>
+              <a:ext uri="{28A0092B-C50C-407E-A947-70E740481C1C}">
+                <a14:useLocalDpi xmlns:a14="http://schemas.microsoft.com/office/drawing/2010/main" val="0"/>
+              </a:ext>
+            </a:extLst>
+          </a:blip>
+          <a:srcRect/>
+          <a:stretch>
+            <a:fillRect/>
+          </a:stretch>
+        </p:blipFill>
+        <p:spPr bwMode="auto">
+          <a:xfrm>
+            <a:off x="4519786" y="3246798"/>
+            <a:ext cx="1339347" cy="1339347"/>
+          </a:xfrm>
+          <a:prstGeom prst="ellipse">
+            <a:avLst/>
+          </a:prstGeom>
+          <a:ln w="63500" cap="rnd">
+            <a:noFill/>
+          </a:ln>
+          <a:effectLst/>
+          <a:scene3d>
+            <a:camera prst="orthographicFront"/>
+            <a:lightRig rig="contrasting" dir="t">
+              <a:rot lat="0" lon="0" rev="3000000"/>
+            </a:lightRig>
+          </a:scene3d>
+          <a:sp3d contourW="7620">
+            <a:bevelT w="95250" h="31750"/>
+            <a:contourClr>
+              <a:srgbClr val="333333"/>
+            </a:contourClr>
+          </a:sp3d>
+          <a:extLst>
+            <a:ext uri="{909E8E84-426E-40DD-AFC4-6F175D3DCCD1}">
+              <a14:hiddenFill xmlns:a14="http://schemas.microsoft.com/office/drawing/2010/main">
+                <a:solidFill>
+                  <a:srgbClr val="FFFFFF"/>
+                </a:solidFill>
+              </a14:hiddenFill>
+            </a:ext>
+          </a:extLst>
+        </p:spPr>
+      </p:pic>
+    </p:spTree>
+    <p:extLst>
+      <p:ext uri="{BB962C8B-B14F-4D97-AF65-F5344CB8AC3E}">
+        <p14:creationId xmlns:p14="http://schemas.microsoft.com/office/powerpoint/2010/main" val="2948914386"/>
+      </p:ext>
+    </p:extLst>
+  </p:cSld>
+  <p:clrMapOvr>
+    <a:masterClrMapping/>
+  </p:clrMapOvr>
+</p:sld>
+</file>
+
+<file path=ppt/slides/slide6.xml><?xml version="1.0" encoding="utf-8"?>
+<p:sld xmlns:a="http://schemas.openxmlformats.org/drawingml/2006/main" xmlns:r="http://schemas.openxmlformats.org/officeDocument/2006/relationships" xmlns:p="http://schemas.openxmlformats.org/presentationml/2006/main">
+  <p:cSld>
+    <p:spTree>
+      <p:nvGrpSpPr>
+        <p:cNvPr id="1" name="">
+          <a:extLst>
+            <a:ext uri="{FF2B5EF4-FFF2-40B4-BE49-F238E27FC236}">
+              <a16:creationId xmlns:a16="http://schemas.microsoft.com/office/drawing/2014/main" id="{A97E15F0-D615-7626-A288-B569B7A1C7A5}"/>
+            </a:ext>
+          </a:extLst>
+        </p:cNvPr>
+        <p:cNvGrpSpPr/>
+        <p:nvPr/>
+      </p:nvGrpSpPr>
+      <p:grpSpPr>
+        <a:xfrm>
+          <a:off x="0" y="0"/>
+          <a:ext cx="0" cy="0"/>
+          <a:chOff x="0" y="0"/>
+          <a:chExt cx="0" cy="0"/>
+        </a:xfrm>
+      </p:grpSpPr>
+      <p:sp>
+        <p:nvSpPr>
+          <p:cNvPr id="2" name="Title 1">
+            <a:extLst>
+              <a:ext uri="{FF2B5EF4-FFF2-40B4-BE49-F238E27FC236}">
+                <a16:creationId xmlns:a16="http://schemas.microsoft.com/office/drawing/2014/main" id="{42A36DC1-ECB4-BF5D-EE82-6769A78C5804}"/>
+              </a:ext>
+            </a:extLst>
+          </p:cNvPr>
+          <p:cNvSpPr>
+            <a:spLocks noGrp="1"/>
+          </p:cNvSpPr>
+          <p:nvPr>
+            <p:ph type="title"/>
+          </p:nvPr>
+        </p:nvSpPr>
+        <p:spPr>
+          <a:xfrm>
+            <a:off x="283927" y="249171"/>
+            <a:ext cx="10718056" cy="1044000"/>
+          </a:xfrm>
+        </p:spPr>
+        <p:txBody>
+          <a:bodyPr>
+            <a:noAutofit/>
+          </a:bodyPr>
+          <a:lstStyle/>
+          <a:p>
+            <a:r>
+              <a:rPr lang="en-US" sz="4400" dirty="0"/>
+              <a:t>Feedback </a:t>
+            </a:r>
+            <a:r>
+              <a:rPr lang="en-US" sz="4400" dirty="0" err="1"/>
+              <a:t>Analyser</a:t>
+            </a:r>
+            <a:r>
+              <a:rPr lang="en-US" sz="4400" dirty="0"/>
+              <a:t>: Step 2</a:t>
+            </a:r>
+            <a:endParaRPr lang="en-GB" sz="4400" dirty="0"/>
+          </a:p>
+        </p:txBody>
+      </p:sp>
+      <p:sp>
+        <p:nvSpPr>
+          <p:cNvPr id="28" name="Rectangle 27">
+            <a:extLst>
+              <a:ext uri="{FF2B5EF4-FFF2-40B4-BE49-F238E27FC236}">
+                <a16:creationId xmlns:a16="http://schemas.microsoft.com/office/drawing/2014/main" id="{1644DAAA-C4E7-1791-09C5-2150ADB01C40}"/>
+              </a:ext>
+            </a:extLst>
+          </p:cNvPr>
+          <p:cNvSpPr/>
+          <p:nvPr/>
+        </p:nvSpPr>
+        <p:spPr>
+          <a:xfrm>
+            <a:off x="463297" y="1836283"/>
+            <a:ext cx="2389632" cy="1329139"/>
+          </a:xfrm>
+          <a:prstGeom prst="rect">
+            <a:avLst/>
+          </a:prstGeom>
+          <a:ln>
+            <a:noFill/>
+          </a:ln>
+        </p:spPr>
+        <p:style>
+          <a:lnRef idx="2">
+            <a:schemeClr val="accent1">
+              <a:shade val="15000"/>
+            </a:schemeClr>
+          </a:lnRef>
+          <a:fillRef idx="1">
+            <a:schemeClr val="accent1"/>
+          </a:fillRef>
+          <a:effectRef idx="0">
+            <a:schemeClr val="accent1"/>
+          </a:effectRef>
+          <a:fontRef idx="minor">
+            <a:schemeClr val="lt1"/>
+          </a:fontRef>
+        </p:style>
+        <p:txBody>
+          <a:bodyPr rtlCol="0" anchor="ctr"/>
+          <a:lstStyle/>
+          <a:p>
+            <a:pPr marL="228600" indent="-228600">
+              <a:buFont typeface="+mj-lt"/>
+              <a:buAutoNum type="arabicPeriod"/>
+            </a:pPr>
+            <a:r>
+              <a:rPr lang="en-US" sz="1100" dirty="0">
+                <a:solidFill>
+                  <a:schemeClr val="bg2"/>
+                </a:solidFill>
+                <a:latin typeface="Poppins" panose="00000500000000000000" pitchFamily="2" charset="0"/>
+                <a:cs typeface="Poppins" panose="00000500000000000000" pitchFamily="2" charset="0"/>
+              </a:rPr>
+              <a:t>{'theme': 'Communication &amp; Information Provision', 'sentiment': 1}, </a:t>
+            </a:r>
+          </a:p>
+          <a:p>
+            <a:pPr marL="228600" indent="-228600">
+              <a:buFont typeface="+mj-lt"/>
+              <a:buAutoNum type="arabicPeriod"/>
+            </a:pPr>
+            <a:r>
+              <a:rPr lang="en-US" sz="1100" dirty="0">
+                <a:solidFill>
+                  <a:schemeClr val="bg2"/>
+                </a:solidFill>
+                <a:latin typeface="Poppins" panose="00000500000000000000" pitchFamily="2" charset="0"/>
+                <a:cs typeface="Poppins" panose="00000500000000000000" pitchFamily="2" charset="0"/>
+              </a:rPr>
+              <a:t>{'theme': 'Project Planning &amp; </a:t>
+            </a:r>
+            <a:r>
+              <a:rPr lang="en-US" sz="1100" dirty="0" err="1">
+                <a:solidFill>
+                  <a:schemeClr val="bg2"/>
+                </a:solidFill>
+                <a:latin typeface="Poppins" panose="00000500000000000000" pitchFamily="2" charset="0"/>
+                <a:cs typeface="Poppins" panose="00000500000000000000" pitchFamily="2" charset="0"/>
+              </a:rPr>
+              <a:t>Organisation</a:t>
+            </a:r>
+            <a:r>
+              <a:rPr lang="en-US" sz="1100" dirty="0">
+                <a:solidFill>
+                  <a:schemeClr val="bg2"/>
+                </a:solidFill>
+                <a:latin typeface="Poppins" panose="00000500000000000000" pitchFamily="2" charset="0"/>
+                <a:cs typeface="Poppins" panose="00000500000000000000" pitchFamily="2" charset="0"/>
+              </a:rPr>
+              <a:t>', 'sentiment': 1}</a:t>
+            </a:r>
+            <a:endParaRPr lang="en-GB" sz="800" dirty="0">
+              <a:solidFill>
+                <a:schemeClr val="bg2"/>
+              </a:solidFill>
+            </a:endParaRPr>
+          </a:p>
+        </p:txBody>
+      </p:sp>
+      <p:sp>
+        <p:nvSpPr>
+          <p:cNvPr id="31" name="Rectangle 30">
+            <a:extLst>
+              <a:ext uri="{FF2B5EF4-FFF2-40B4-BE49-F238E27FC236}">
+                <a16:creationId xmlns:a16="http://schemas.microsoft.com/office/drawing/2014/main" id="{92310D3F-C4A0-1113-7CE8-4D03C1740935}"/>
+              </a:ext>
+            </a:extLst>
+          </p:cNvPr>
+          <p:cNvSpPr/>
+          <p:nvPr/>
+        </p:nvSpPr>
+        <p:spPr>
+          <a:xfrm>
+            <a:off x="463297" y="3439925"/>
+            <a:ext cx="2389632" cy="1064844"/>
+          </a:xfrm>
+          <a:prstGeom prst="rect">
+            <a:avLst/>
+          </a:prstGeom>
+          <a:ln>
+            <a:noFill/>
+          </a:ln>
+        </p:spPr>
+        <p:style>
+          <a:lnRef idx="2">
+            <a:schemeClr val="accent1">
+              <a:shade val="15000"/>
+            </a:schemeClr>
+          </a:lnRef>
+          <a:fillRef idx="1">
+            <a:schemeClr val="accent1"/>
+          </a:fillRef>
+          <a:effectRef idx="0">
+            <a:schemeClr val="accent1"/>
+          </a:effectRef>
+          <a:fontRef idx="minor">
+            <a:schemeClr val="lt1"/>
+          </a:fontRef>
+        </p:style>
+        <p:txBody>
+          <a:bodyPr rtlCol="0" anchor="ctr"/>
+          <a:lstStyle/>
+          <a:p>
+            <a:pPr marL="228600" indent="-228600">
+              <a:buFont typeface="+mj-lt"/>
+              <a:buAutoNum type="arabicPeriod"/>
+            </a:pPr>
+            <a:r>
+              <a:rPr lang="en-US" sz="1100" dirty="0">
+                <a:solidFill>
+                  <a:schemeClr val="bg2"/>
+                </a:solidFill>
+                <a:latin typeface="Poppins" panose="00000500000000000000" pitchFamily="2" charset="0"/>
+                <a:cs typeface="Poppins" panose="00000500000000000000" pitchFamily="2" charset="0"/>
+              </a:rPr>
+              <a:t>{'theme': 'Overall Improvement', 'sentiment': 4},</a:t>
+            </a:r>
+          </a:p>
+          <a:p>
+            <a:pPr marL="228600" indent="-228600">
+              <a:buFont typeface="+mj-lt"/>
+              <a:buAutoNum type="arabicPeriod"/>
+            </a:pPr>
+            <a:r>
+              <a:rPr lang="en-US" sz="1100" dirty="0">
+                <a:solidFill>
+                  <a:schemeClr val="bg2"/>
+                </a:solidFill>
+                <a:latin typeface="Poppins" panose="00000500000000000000" pitchFamily="2" charset="0"/>
+                <a:cs typeface="Poppins" panose="00000500000000000000" pitchFamily="2" charset="0"/>
+              </a:rPr>
+              <a:t>{'theme': 'Workmanship Quality (Painting)', 'sentiment': 2}</a:t>
+            </a:r>
+            <a:endParaRPr lang="en-GB" sz="800" dirty="0">
+              <a:solidFill>
+                <a:schemeClr val="bg2"/>
+              </a:solidFill>
+            </a:endParaRPr>
+          </a:p>
+        </p:txBody>
+      </p:sp>
+      <p:sp>
+        <p:nvSpPr>
+          <p:cNvPr id="32" name="TextBox 31">
+            <a:extLst>
+              <a:ext uri="{FF2B5EF4-FFF2-40B4-BE49-F238E27FC236}">
+                <a16:creationId xmlns:a16="http://schemas.microsoft.com/office/drawing/2014/main" id="{7E4574DF-4C88-DBED-706E-6439F7B5F408}"/>
+              </a:ext>
+            </a:extLst>
+          </p:cNvPr>
+          <p:cNvSpPr txBox="1"/>
+          <p:nvPr/>
+        </p:nvSpPr>
+        <p:spPr>
+          <a:xfrm>
+            <a:off x="1995147" y="4657948"/>
+            <a:ext cx="208332" cy="861774"/>
+          </a:xfrm>
+          <a:prstGeom prst="rect">
+            <a:avLst/>
+          </a:prstGeom>
+          <a:noFill/>
+        </p:spPr>
+        <p:txBody>
+          <a:bodyPr wrap="square" rtlCol="0">
+            <a:spAutoFit/>
+          </a:bodyPr>
+          <a:lstStyle/>
+          <a:p>
+            <a:r>
+              <a:rPr lang="en-GB" sz="1600" dirty="0"/>
+              <a:t>.</a:t>
+            </a:r>
+          </a:p>
+          <a:p>
+            <a:r>
+              <a:rPr lang="en-GB" sz="1600" dirty="0"/>
+              <a:t>.</a:t>
+            </a:r>
+          </a:p>
+          <a:p>
+            <a:r>
+              <a:rPr lang="en-GB" sz="1600" dirty="0"/>
+              <a:t>.</a:t>
+            </a:r>
+          </a:p>
+        </p:txBody>
+      </p:sp>
+      <p:sp>
+        <p:nvSpPr>
+          <p:cNvPr id="33" name="Rectangle 32">
+            <a:extLst>
+              <a:ext uri="{FF2B5EF4-FFF2-40B4-BE49-F238E27FC236}">
+                <a16:creationId xmlns:a16="http://schemas.microsoft.com/office/drawing/2014/main" id="{64871B67-80BF-14B2-E1C4-12F918D968ED}"/>
+              </a:ext>
+            </a:extLst>
+          </p:cNvPr>
+          <p:cNvSpPr/>
+          <p:nvPr/>
+        </p:nvSpPr>
+        <p:spPr>
+          <a:xfrm>
+            <a:off x="463297" y="5632514"/>
+            <a:ext cx="2389632" cy="332443"/>
+          </a:xfrm>
+          <a:prstGeom prst="rect">
+            <a:avLst/>
+          </a:prstGeom>
+          <a:ln>
+            <a:noFill/>
+          </a:ln>
+        </p:spPr>
+        <p:style>
+          <a:lnRef idx="2">
+            <a:schemeClr val="accent1">
+              <a:shade val="15000"/>
+            </a:schemeClr>
+          </a:lnRef>
+          <a:fillRef idx="1">
+            <a:schemeClr val="accent1"/>
+          </a:fillRef>
+          <a:effectRef idx="0">
+            <a:schemeClr val="accent1"/>
+          </a:effectRef>
+          <a:fontRef idx="minor">
+            <a:schemeClr val="lt1"/>
+          </a:fontRef>
+        </p:style>
+        <p:txBody>
+          <a:bodyPr rtlCol="0" anchor="ctr"/>
+          <a:lstStyle/>
+          <a:p>
+            <a:pPr algn="ctr"/>
+            <a:r>
+              <a:rPr lang="en-GB" sz="800" dirty="0">
+                <a:solidFill>
+                  <a:schemeClr val="bg2"/>
+                </a:solidFill>
+              </a:rPr>
+              <a:t>“……” </a:t>
+            </a:r>
+          </a:p>
+        </p:txBody>
+      </p:sp>
+      <p:cxnSp>
+        <p:nvCxnSpPr>
+          <p:cNvPr id="10" name="Straight Arrow Connector 9">
+            <a:extLst>
+              <a:ext uri="{FF2B5EF4-FFF2-40B4-BE49-F238E27FC236}">
+                <a16:creationId xmlns:a16="http://schemas.microsoft.com/office/drawing/2014/main" id="{515FD831-BC9D-8FB1-2958-71283D14C300}"/>
+              </a:ext>
+            </a:extLst>
+          </p:cNvPr>
+          <p:cNvCxnSpPr>
+            <a:cxnSpLocks/>
+            <a:stCxn id="28" idx="3"/>
+          </p:cNvCxnSpPr>
+          <p:nvPr/>
+        </p:nvCxnSpPr>
+        <p:spPr>
+          <a:xfrm>
+            <a:off x="2852929" y="2500853"/>
+            <a:ext cx="1225295" cy="939072"/>
+          </a:xfrm>
+          <a:prstGeom prst="straightConnector1">
+            <a:avLst/>
+          </a:prstGeom>
+          <a:ln w="57150" cap="flat" cmpd="sng" algn="ctr">
+            <a:solidFill>
+              <a:schemeClr val="accent1"/>
+            </a:solidFill>
+            <a:prstDash val="solid"/>
+            <a:round/>
+            <a:headEnd type="none" w="med" len="med"/>
+            <a:tailEnd type="arrow" w="med" len="med"/>
+          </a:ln>
+        </p:spPr>
+        <p:style>
+          <a:lnRef idx="0">
+            <a:scrgbClr r="0" g="0" b="0"/>
+          </a:lnRef>
+          <a:fillRef idx="0">
+            <a:scrgbClr r="0" g="0" b="0"/>
+          </a:fillRef>
+          <a:effectRef idx="0">
+            <a:scrgbClr r="0" g="0" b="0"/>
+          </a:effectRef>
+          <a:fontRef idx="minor">
+            <a:schemeClr val="tx1"/>
+          </a:fontRef>
+        </p:style>
+      </p:cxnSp>
+      <p:cxnSp>
+        <p:nvCxnSpPr>
+          <p:cNvPr id="13" name="Straight Arrow Connector 12">
+            <a:extLst>
+              <a:ext uri="{FF2B5EF4-FFF2-40B4-BE49-F238E27FC236}">
+                <a16:creationId xmlns:a16="http://schemas.microsoft.com/office/drawing/2014/main" id="{C80E3519-34FF-C38D-7414-52C620DA00F7}"/>
+              </a:ext>
+            </a:extLst>
+          </p:cNvPr>
+          <p:cNvCxnSpPr>
+            <a:cxnSpLocks/>
+          </p:cNvCxnSpPr>
+          <p:nvPr/>
+        </p:nvCxnSpPr>
+        <p:spPr>
+          <a:xfrm flipV="1">
+            <a:off x="2779775" y="3829992"/>
+            <a:ext cx="1298449" cy="142355"/>
+          </a:xfrm>
+          <a:prstGeom prst="straightConnector1">
+            <a:avLst/>
+          </a:prstGeom>
+          <a:ln w="57150" cap="flat" cmpd="sng" algn="ctr">
+            <a:solidFill>
+              <a:schemeClr val="accent1"/>
+            </a:solidFill>
+            <a:prstDash val="solid"/>
+            <a:round/>
+            <a:headEnd type="none" w="med" len="med"/>
+            <a:tailEnd type="arrow" w="med" len="med"/>
+          </a:ln>
+        </p:spPr>
+        <p:style>
+          <a:lnRef idx="0">
+            <a:scrgbClr r="0" g="0" b="0"/>
+          </a:lnRef>
+          <a:fillRef idx="0">
+            <a:scrgbClr r="0" g="0" b="0"/>
+          </a:fillRef>
+          <a:effectRef idx="0">
+            <a:scrgbClr r="0" g="0" b="0"/>
+          </a:effectRef>
+          <a:fontRef idx="minor">
+            <a:schemeClr val="tx1"/>
+          </a:fontRef>
+        </p:style>
+      </p:cxnSp>
+      <p:cxnSp>
+        <p:nvCxnSpPr>
+          <p:cNvPr id="15" name="Straight Arrow Connector 14">
+            <a:extLst>
+              <a:ext uri="{FF2B5EF4-FFF2-40B4-BE49-F238E27FC236}">
+                <a16:creationId xmlns:a16="http://schemas.microsoft.com/office/drawing/2014/main" id="{A50797D2-56FB-0763-F163-9BC86A714D26}"/>
+              </a:ext>
+            </a:extLst>
+          </p:cNvPr>
+          <p:cNvCxnSpPr>
+            <a:cxnSpLocks/>
+            <a:stCxn id="33" idx="3"/>
+          </p:cNvCxnSpPr>
+          <p:nvPr/>
+        </p:nvCxnSpPr>
+        <p:spPr>
+          <a:xfrm flipV="1">
+            <a:off x="2852929" y="4398221"/>
+            <a:ext cx="1225295" cy="1400515"/>
+          </a:xfrm>
+          <a:prstGeom prst="straightConnector1">
+            <a:avLst/>
+          </a:prstGeom>
+          <a:ln w="57150" cap="flat" cmpd="sng" algn="ctr">
+            <a:solidFill>
+              <a:schemeClr val="accent1"/>
+            </a:solidFill>
+            <a:prstDash val="solid"/>
+            <a:round/>
+            <a:headEnd type="none" w="med" len="med"/>
+            <a:tailEnd type="arrow" w="med" len="med"/>
+          </a:ln>
+        </p:spPr>
+        <p:style>
+          <a:lnRef idx="0">
+            <a:scrgbClr r="0" g="0" b="0"/>
+          </a:lnRef>
+          <a:fillRef idx="0">
+            <a:scrgbClr r="0" g="0" b="0"/>
+          </a:fillRef>
+          <a:effectRef idx="0">
+            <a:scrgbClr r="0" g="0" b="0"/>
+          </a:effectRef>
+          <a:fontRef idx="minor">
+            <a:schemeClr val="tx1"/>
+          </a:fontRef>
+        </p:style>
+      </p:cxnSp>
+      <p:pic>
+        <p:nvPicPr>
+          <p:cNvPr id="23" name="Picture 22">
+            <a:extLst>
+              <a:ext uri="{FF2B5EF4-FFF2-40B4-BE49-F238E27FC236}">
+                <a16:creationId xmlns:a16="http://schemas.microsoft.com/office/drawing/2014/main" id="{078DEF86-4DEE-238E-9090-7D360E4E96D5}"/>
+              </a:ext>
+            </a:extLst>
+          </p:cNvPr>
+          <p:cNvPicPr>
+            <a:picLocks noChangeAspect="1"/>
+          </p:cNvPicPr>
+          <p:nvPr/>
+        </p:nvPicPr>
+        <p:blipFill>
+          <a:blip r:embed="rId2"/>
+          <a:srcRect l="1062" t="-14764" r="29544" b="16132"/>
+          <a:stretch/>
+        </p:blipFill>
+        <p:spPr>
+          <a:xfrm>
+            <a:off x="5394959" y="1256688"/>
+            <a:ext cx="6731080" cy="5288962"/>
+          </a:xfrm>
+          <a:prstGeom prst="rect">
+            <a:avLst/>
+          </a:prstGeom>
+        </p:spPr>
+      </p:pic>
+      <p:sp>
+        <p:nvSpPr>
+          <p:cNvPr id="24" name="Rectangle 23">
+            <a:extLst>
+              <a:ext uri="{FF2B5EF4-FFF2-40B4-BE49-F238E27FC236}">
+                <a16:creationId xmlns:a16="http://schemas.microsoft.com/office/drawing/2014/main" id="{9FDF815D-12BB-FB98-4C9F-B2ACD87D8949}"/>
+              </a:ext>
+            </a:extLst>
+          </p:cNvPr>
+          <p:cNvSpPr/>
+          <p:nvPr/>
+        </p:nvSpPr>
+        <p:spPr>
+          <a:xfrm>
+            <a:off x="4169664" y="2992153"/>
+            <a:ext cx="1225295" cy="2044472"/>
+          </a:xfrm>
+          <a:prstGeom prst="rect">
+            <a:avLst/>
+          </a:prstGeom>
+          <a:ln>
+            <a:noFill/>
+          </a:ln>
+        </p:spPr>
+        <p:style>
+          <a:lnRef idx="2">
+            <a:schemeClr val="accent4">
+              <a:shade val="15000"/>
+            </a:schemeClr>
+          </a:lnRef>
+          <a:fillRef idx="1">
+            <a:schemeClr val="accent4"/>
+          </a:fillRef>
+          <a:effectRef idx="0">
+            <a:schemeClr val="accent4"/>
+          </a:effectRef>
+          <a:fontRef idx="minor">
+            <a:schemeClr val="lt1"/>
+          </a:fontRef>
+        </p:style>
+        <p:txBody>
+          <a:bodyPr rtlCol="0" anchor="ctr"/>
+          <a:lstStyle/>
+          <a:p>
+            <a:pPr algn="ctr"/>
+            <a:r>
+              <a:rPr lang="en-GB" sz="1600" dirty="0">
+                <a:solidFill>
+                  <a:schemeClr val="accent1"/>
+                </a:solidFill>
+                <a:latin typeface="Poppins" panose="00000500000000000000" pitchFamily="2" charset="0"/>
+                <a:cs typeface="Poppins" panose="00000500000000000000" pitchFamily="2" charset="0"/>
+              </a:rPr>
+              <a:t>Clustering Algorithm</a:t>
+            </a:r>
+          </a:p>
+        </p:txBody>
+      </p:sp>
+      <p:cxnSp>
+        <p:nvCxnSpPr>
+          <p:cNvPr id="25" name="Straight Arrow Connector 24">
+            <a:extLst>
+              <a:ext uri="{FF2B5EF4-FFF2-40B4-BE49-F238E27FC236}">
+                <a16:creationId xmlns:a16="http://schemas.microsoft.com/office/drawing/2014/main" id="{5CEAB587-A8F3-B07D-F577-CCB7A5E87C07}"/>
+              </a:ext>
+            </a:extLst>
+          </p:cNvPr>
+          <p:cNvCxnSpPr>
+            <a:cxnSpLocks/>
+          </p:cNvCxnSpPr>
+          <p:nvPr/>
+        </p:nvCxnSpPr>
+        <p:spPr>
+          <a:xfrm>
+            <a:off x="5394959" y="3972347"/>
+            <a:ext cx="530353" cy="0"/>
+          </a:xfrm>
+          <a:prstGeom prst="straightConnector1">
+            <a:avLst/>
+          </a:prstGeom>
+          <a:ln w="57150" cap="flat" cmpd="sng" algn="ctr">
+            <a:solidFill>
+              <a:schemeClr val="accent1"/>
+            </a:solidFill>
+            <a:prstDash val="solid"/>
+            <a:round/>
+            <a:headEnd type="none" w="med" len="med"/>
+            <a:tailEnd type="arrow" w="med" len="med"/>
+          </a:ln>
+        </p:spPr>
+        <p:style>
+          <a:lnRef idx="0">
+            <a:scrgbClr r="0" g="0" b="0"/>
+          </a:lnRef>
+          <a:fillRef idx="0">
+            <a:scrgbClr r="0" g="0" b="0"/>
+          </a:fillRef>
+          <a:effectRef idx="0">
+            <a:scrgbClr r="0" g="0" b="0"/>
+          </a:effectRef>
+          <a:fontRef idx="minor">
+            <a:schemeClr val="tx1"/>
+          </a:fontRef>
+        </p:style>
+      </p:cxnSp>
+    </p:spTree>
+    <p:extLst>
+      <p:ext uri="{BB962C8B-B14F-4D97-AF65-F5344CB8AC3E}">
+        <p14:creationId xmlns:p14="http://schemas.microsoft.com/office/powerpoint/2010/main" val="1947239352"/>
+      </p:ext>
+    </p:extLst>
+  </p:cSld>
+  <p:clrMapOvr>
+    <a:masterClrMapping/>
+  </p:clrMapOvr>
+</p:sld>
+</file>
+
+<file path=ppt/slides/slide7.xml><?xml version="1.0" encoding="utf-8"?>
+<p:sld xmlns:a="http://schemas.openxmlformats.org/drawingml/2006/main" xmlns:r="http://schemas.openxmlformats.org/officeDocument/2006/relationships" xmlns:p="http://schemas.openxmlformats.org/presentationml/2006/main">
+  <p:cSld>
+    <p:spTree>
+      <p:nvGrpSpPr>
+        <p:cNvPr id="1" name="">
+          <a:extLst>
+            <a:ext uri="{FF2B5EF4-FFF2-40B4-BE49-F238E27FC236}">
+              <a16:creationId xmlns:a16="http://schemas.microsoft.com/office/drawing/2014/main" id="{CD208584-200E-180F-CCC3-D039DAF7475F}"/>
+            </a:ext>
+          </a:extLst>
+        </p:cNvPr>
+        <p:cNvGrpSpPr/>
+        <p:nvPr/>
+      </p:nvGrpSpPr>
+      <p:grpSpPr>
+        <a:xfrm>
+          <a:off x="0" y="0"/>
+          <a:ext cx="0" cy="0"/>
+          <a:chOff x="0" y="0"/>
+          <a:chExt cx="0" cy="0"/>
+        </a:xfrm>
+      </p:grpSpPr>
+      <p:sp>
+        <p:nvSpPr>
+          <p:cNvPr id="2" name="Title 1">
+            <a:extLst>
+              <a:ext uri="{FF2B5EF4-FFF2-40B4-BE49-F238E27FC236}">
+                <a16:creationId xmlns:a16="http://schemas.microsoft.com/office/drawing/2014/main" id="{2ABBF354-5CE1-F304-4021-E3D2731CE642}"/>
+              </a:ext>
+            </a:extLst>
+          </p:cNvPr>
+          <p:cNvSpPr>
+            <a:spLocks noGrp="1"/>
+          </p:cNvSpPr>
+          <p:nvPr>
+            <p:ph type="title"/>
+          </p:nvPr>
+        </p:nvSpPr>
+        <p:spPr>
+          <a:xfrm>
+            <a:off x="56443" y="31267"/>
+            <a:ext cx="10718056" cy="1044000"/>
+          </a:xfrm>
+        </p:spPr>
+        <p:txBody>
+          <a:bodyPr>
+            <a:noAutofit/>
+          </a:bodyPr>
+          <a:lstStyle/>
+          <a:p>
+            <a:r>
+              <a:rPr lang="en-US" sz="4400" dirty="0"/>
+              <a:t>Feedback </a:t>
+            </a:r>
+            <a:r>
+              <a:rPr lang="en-US" sz="4400" dirty="0" err="1"/>
+              <a:t>Analyser</a:t>
+            </a:r>
+            <a:r>
+              <a:rPr lang="en-US" sz="4400" dirty="0"/>
+              <a:t>: Step 3</a:t>
+            </a:r>
+            <a:endParaRPr lang="en-GB" sz="4400" dirty="0"/>
+          </a:p>
+        </p:txBody>
+      </p:sp>
+      <p:sp>
+        <p:nvSpPr>
+          <p:cNvPr id="28" name="Rectangle 27">
+            <a:extLst>
+              <a:ext uri="{FF2B5EF4-FFF2-40B4-BE49-F238E27FC236}">
+                <a16:creationId xmlns:a16="http://schemas.microsoft.com/office/drawing/2014/main" id="{C6A4D6DF-2705-91A6-0774-04BE8DE6C00F}"/>
+              </a:ext>
+            </a:extLst>
+          </p:cNvPr>
+          <p:cNvSpPr/>
+          <p:nvPr/>
+        </p:nvSpPr>
+        <p:spPr>
+          <a:xfrm>
+            <a:off x="9144547" y="423557"/>
+            <a:ext cx="2389632" cy="1329139"/>
+          </a:xfrm>
+          <a:prstGeom prst="rect">
+            <a:avLst/>
+          </a:prstGeom>
+          <a:ln>
+            <a:noFill/>
+          </a:ln>
+        </p:spPr>
+        <p:style>
+          <a:lnRef idx="2">
+            <a:schemeClr val="accent1">
+              <a:shade val="15000"/>
+            </a:schemeClr>
+          </a:lnRef>
+          <a:fillRef idx="1">
+            <a:schemeClr val="accent1"/>
+          </a:fillRef>
+          <a:effectRef idx="0">
+            <a:schemeClr val="accent1"/>
+          </a:effectRef>
+          <a:fontRef idx="minor">
+            <a:schemeClr val="lt1"/>
+          </a:fontRef>
+        </p:style>
+        <p:txBody>
+          <a:bodyPr rtlCol="0" anchor="ctr"/>
+          <a:lstStyle/>
+          <a:p>
+            <a:pPr marL="228600" indent="-228600">
+              <a:buFont typeface="+mj-lt"/>
+              <a:buAutoNum type="arabicPeriod"/>
+            </a:pPr>
+            <a:r>
+              <a:rPr lang="en-US" sz="1100" dirty="0">
+                <a:solidFill>
+                  <a:schemeClr val="bg2"/>
+                </a:solidFill>
+                <a:latin typeface="Poppins" panose="00000500000000000000" pitchFamily="2" charset="0"/>
+                <a:cs typeface="Poppins" panose="00000500000000000000" pitchFamily="2" charset="0"/>
+              </a:rPr>
+              <a:t>{'theme': 'Communication &amp; Information Provision', 'sentiment': 1}, </a:t>
+            </a:r>
+          </a:p>
+          <a:p>
+            <a:pPr marL="228600" indent="-228600">
+              <a:buFont typeface="+mj-lt"/>
+              <a:buAutoNum type="arabicPeriod"/>
+            </a:pPr>
+            <a:r>
+              <a:rPr lang="en-US" sz="1100" dirty="0">
+                <a:solidFill>
+                  <a:schemeClr val="bg2"/>
+                </a:solidFill>
+                <a:latin typeface="Poppins" panose="00000500000000000000" pitchFamily="2" charset="0"/>
+                <a:cs typeface="Poppins" panose="00000500000000000000" pitchFamily="2" charset="0"/>
+              </a:rPr>
+              <a:t>{'theme': 'Project Planning &amp; </a:t>
+            </a:r>
+            <a:r>
+              <a:rPr lang="en-US" sz="1100" dirty="0" err="1">
+                <a:solidFill>
+                  <a:schemeClr val="bg2"/>
+                </a:solidFill>
+                <a:latin typeface="Poppins" panose="00000500000000000000" pitchFamily="2" charset="0"/>
+                <a:cs typeface="Poppins" panose="00000500000000000000" pitchFamily="2" charset="0"/>
+              </a:rPr>
+              <a:t>Organisation</a:t>
+            </a:r>
+            <a:r>
+              <a:rPr lang="en-US" sz="1100" dirty="0">
+                <a:solidFill>
+                  <a:schemeClr val="bg2"/>
+                </a:solidFill>
+                <a:latin typeface="Poppins" panose="00000500000000000000" pitchFamily="2" charset="0"/>
+                <a:cs typeface="Poppins" panose="00000500000000000000" pitchFamily="2" charset="0"/>
+              </a:rPr>
+              <a:t>', 'sentiment': 1}</a:t>
+            </a:r>
+            <a:endParaRPr lang="en-GB" sz="800" dirty="0">
+              <a:solidFill>
+                <a:schemeClr val="bg2"/>
+              </a:solidFill>
+            </a:endParaRPr>
+          </a:p>
+        </p:txBody>
+      </p:sp>
+      <p:sp>
+        <p:nvSpPr>
+          <p:cNvPr id="31" name="Rectangle 30">
+            <a:extLst>
+              <a:ext uri="{FF2B5EF4-FFF2-40B4-BE49-F238E27FC236}">
+                <a16:creationId xmlns:a16="http://schemas.microsoft.com/office/drawing/2014/main" id="{9499F4B1-FB2E-3F05-59CB-513354C1BA9D}"/>
+              </a:ext>
+            </a:extLst>
+          </p:cNvPr>
+          <p:cNvSpPr/>
+          <p:nvPr/>
+        </p:nvSpPr>
+        <p:spPr>
+          <a:xfrm>
+            <a:off x="9144547" y="2027199"/>
+            <a:ext cx="2389632" cy="1064844"/>
+          </a:xfrm>
+          <a:prstGeom prst="rect">
+            <a:avLst/>
+          </a:prstGeom>
+          <a:ln>
+            <a:noFill/>
+          </a:ln>
+        </p:spPr>
+        <p:style>
+          <a:lnRef idx="2">
+            <a:schemeClr val="accent1">
+              <a:shade val="15000"/>
+            </a:schemeClr>
+          </a:lnRef>
+          <a:fillRef idx="1">
+            <a:schemeClr val="accent1"/>
+          </a:fillRef>
+          <a:effectRef idx="0">
+            <a:schemeClr val="accent1"/>
+          </a:effectRef>
+          <a:fontRef idx="minor">
+            <a:schemeClr val="lt1"/>
+          </a:fontRef>
+        </p:style>
+        <p:txBody>
+          <a:bodyPr rtlCol="0" anchor="ctr"/>
+          <a:lstStyle/>
+          <a:p>
+            <a:pPr marL="228600" indent="-228600">
+              <a:buFont typeface="+mj-lt"/>
+              <a:buAutoNum type="arabicPeriod"/>
+            </a:pPr>
+            <a:r>
+              <a:rPr lang="en-US" sz="1100" dirty="0">
+                <a:solidFill>
+                  <a:schemeClr val="bg2"/>
+                </a:solidFill>
+                <a:latin typeface="Poppins" panose="00000500000000000000" pitchFamily="2" charset="0"/>
+                <a:cs typeface="Poppins" panose="00000500000000000000" pitchFamily="2" charset="0"/>
+              </a:rPr>
+              <a:t>{'theme': 'Overall Improvement', 'sentiment': 4},</a:t>
+            </a:r>
+          </a:p>
+          <a:p>
+            <a:pPr marL="228600" indent="-228600">
+              <a:buFont typeface="+mj-lt"/>
+              <a:buAutoNum type="arabicPeriod"/>
+            </a:pPr>
+            <a:r>
+              <a:rPr lang="en-US" sz="1100" dirty="0">
+                <a:solidFill>
+                  <a:schemeClr val="bg2"/>
+                </a:solidFill>
+                <a:latin typeface="Poppins" panose="00000500000000000000" pitchFamily="2" charset="0"/>
+                <a:cs typeface="Poppins" panose="00000500000000000000" pitchFamily="2" charset="0"/>
+              </a:rPr>
+              <a:t>{'theme': 'Workmanship Quality (Painting)', 'sentiment': 2}</a:t>
+            </a:r>
+            <a:endParaRPr lang="en-GB" sz="800" dirty="0">
+              <a:solidFill>
+                <a:schemeClr val="bg2"/>
+              </a:solidFill>
+            </a:endParaRPr>
+          </a:p>
+        </p:txBody>
+      </p:sp>
+      <p:sp>
+        <p:nvSpPr>
+          <p:cNvPr id="32" name="TextBox 31">
+            <a:extLst>
+              <a:ext uri="{FF2B5EF4-FFF2-40B4-BE49-F238E27FC236}">
+                <a16:creationId xmlns:a16="http://schemas.microsoft.com/office/drawing/2014/main" id="{DF24349B-A111-7049-3ECE-33D5BF0D9E49}"/>
+              </a:ext>
+            </a:extLst>
+          </p:cNvPr>
+          <p:cNvSpPr txBox="1"/>
+          <p:nvPr/>
+        </p:nvSpPr>
+        <p:spPr>
+          <a:xfrm>
+            <a:off x="9525718" y="3245482"/>
+            <a:ext cx="208332" cy="338554"/>
+          </a:xfrm>
+          <a:prstGeom prst="rect">
+            <a:avLst/>
+          </a:prstGeom>
+          <a:noFill/>
+        </p:spPr>
+        <p:txBody>
+          <a:bodyPr wrap="square" rtlCol="0">
+            <a:spAutoFit/>
+          </a:bodyPr>
+          <a:lstStyle/>
+          <a:p>
+            <a:r>
+              <a:rPr lang="en-GB" sz="1600" dirty="0"/>
+              <a:t>.</a:t>
+            </a:r>
+          </a:p>
+        </p:txBody>
+      </p:sp>
+      <p:sp>
+        <p:nvSpPr>
+          <p:cNvPr id="33" name="Rectangle 32">
+            <a:extLst>
+              <a:ext uri="{FF2B5EF4-FFF2-40B4-BE49-F238E27FC236}">
+                <a16:creationId xmlns:a16="http://schemas.microsoft.com/office/drawing/2014/main" id="{02D96FBC-9B13-CB1B-AE34-2099884F40FB}"/>
+              </a:ext>
+            </a:extLst>
+          </p:cNvPr>
+          <p:cNvSpPr/>
+          <p:nvPr/>
+        </p:nvSpPr>
+        <p:spPr>
+          <a:xfrm>
+            <a:off x="9144547" y="3599737"/>
+            <a:ext cx="2389632" cy="332443"/>
+          </a:xfrm>
+          <a:prstGeom prst="rect">
+            <a:avLst/>
+          </a:prstGeom>
+          <a:ln>
+            <a:noFill/>
+          </a:ln>
+        </p:spPr>
+        <p:style>
+          <a:lnRef idx="2">
+            <a:schemeClr val="accent1">
+              <a:shade val="15000"/>
+            </a:schemeClr>
+          </a:lnRef>
+          <a:fillRef idx="1">
+            <a:schemeClr val="accent1"/>
+          </a:fillRef>
+          <a:effectRef idx="0">
+            <a:schemeClr val="accent1"/>
+          </a:effectRef>
+          <a:fontRef idx="minor">
+            <a:schemeClr val="lt1"/>
+          </a:fontRef>
+        </p:style>
+        <p:txBody>
+          <a:bodyPr rtlCol="0" anchor="ctr"/>
+          <a:lstStyle/>
+          <a:p>
+            <a:pPr algn="ctr"/>
+            <a:r>
+              <a:rPr lang="en-GB" sz="800" dirty="0">
+                <a:solidFill>
+                  <a:schemeClr val="bg2"/>
+                </a:solidFill>
+              </a:rPr>
+              <a:t>“……” </a:t>
+            </a:r>
+          </a:p>
+        </p:txBody>
+      </p:sp>
+      <p:pic>
+        <p:nvPicPr>
+          <p:cNvPr id="23" name="Picture 22">
+            <a:extLst>
+              <a:ext uri="{FF2B5EF4-FFF2-40B4-BE49-F238E27FC236}">
+                <a16:creationId xmlns:a16="http://schemas.microsoft.com/office/drawing/2014/main" id="{DCE9EF20-A58B-5C79-1CAB-1C5623F68AB4}"/>
+              </a:ext>
+            </a:extLst>
+          </p:cNvPr>
+          <p:cNvPicPr>
+            <a:picLocks noChangeAspect="1"/>
+          </p:cNvPicPr>
+          <p:nvPr/>
+        </p:nvPicPr>
+        <p:blipFill>
+          <a:blip r:embed="rId2"/>
+          <a:srcRect l="1062" t="-14764" r="574" b="16132"/>
+          <a:stretch/>
+        </p:blipFill>
+        <p:spPr>
+          <a:xfrm>
+            <a:off x="56443" y="1228446"/>
+            <a:ext cx="3638236" cy="2016776"/>
+          </a:xfrm>
+          <a:prstGeom prst="rect">
+            <a:avLst/>
+          </a:prstGeom>
+        </p:spPr>
+      </p:pic>
+      <p:sp>
+        <p:nvSpPr>
+          <p:cNvPr id="4" name="Speech Bubble: Rectangle 3">
+            <a:extLst>
+              <a:ext uri="{FF2B5EF4-FFF2-40B4-BE49-F238E27FC236}">
+                <a16:creationId xmlns:a16="http://schemas.microsoft.com/office/drawing/2014/main" id="{798B42AF-DC31-4B4D-CA5C-77933F4426C2}"/>
+              </a:ext>
+            </a:extLst>
+          </p:cNvPr>
+          <p:cNvSpPr/>
+          <p:nvPr/>
+        </p:nvSpPr>
+        <p:spPr>
+          <a:xfrm>
+            <a:off x="4863066" y="867795"/>
+            <a:ext cx="1837944" cy="1329139"/>
+          </a:xfrm>
+          <a:prstGeom prst="wedgeRectCallout">
+            <a:avLst/>
+          </a:prstGeom>
+          <a:ln>
+            <a:noFill/>
+          </a:ln>
+        </p:spPr>
+        <p:style>
+          <a:lnRef idx="2">
+            <a:schemeClr val="accent4">
+              <a:shade val="15000"/>
+            </a:schemeClr>
+          </a:lnRef>
+          <a:fillRef idx="1">
+            <a:schemeClr val="accent4"/>
+          </a:fillRef>
+          <a:effectRef idx="0">
+            <a:schemeClr val="accent4"/>
+          </a:effectRef>
+          <a:fontRef idx="minor">
+            <a:schemeClr val="lt1"/>
+          </a:fontRef>
+        </p:style>
+        <p:txBody>
+          <a:bodyPr rtlCol="0" anchor="ctr"/>
+          <a:lstStyle/>
+          <a:p>
+            <a:pPr algn="ctr"/>
+            <a:r>
+              <a:rPr lang="en-GB" sz="1200" dirty="0">
+                <a:solidFill>
+                  <a:schemeClr val="accent1"/>
+                </a:solidFill>
+                <a:latin typeface="Poppins" panose="00000500000000000000" pitchFamily="2" charset="0"/>
+                <a:cs typeface="Poppins" panose="00000500000000000000" pitchFamily="2" charset="0"/>
+              </a:rPr>
+              <a:t>“For themes in the provided cluster, find a theme name that best captures all of them”</a:t>
+            </a:r>
+          </a:p>
+        </p:txBody>
+      </p:sp>
+      <p:pic>
+        <p:nvPicPr>
+          <p:cNvPr id="5" name="Picture 4" descr="ChatGPT Logo - Chat gpt Icon on White Background 21059827 Vector Art at  Vecteezy">
+            <a:extLst>
+              <a:ext uri="{FF2B5EF4-FFF2-40B4-BE49-F238E27FC236}">
+                <a16:creationId xmlns:a16="http://schemas.microsoft.com/office/drawing/2014/main" id="{AFB49B58-4669-2F8A-245E-52ED74D610BA}"/>
+              </a:ext>
+            </a:extLst>
+          </p:cNvPr>
+          <p:cNvPicPr>
+            <a:picLocks noChangeAspect="1" noChangeArrowheads="1"/>
+          </p:cNvPicPr>
+          <p:nvPr/>
+        </p:nvPicPr>
+        <p:blipFill>
+          <a:blip r:embed="rId3">
+            <a:extLst>
+              <a:ext uri="{28A0092B-C50C-407E-A947-70E740481C1C}">
+                <a14:useLocalDpi xmlns:a14="http://schemas.microsoft.com/office/drawing/2010/main" val="0"/>
+              </a:ext>
+            </a:extLst>
+          </a:blip>
+          <a:srcRect/>
+          <a:stretch>
+            <a:fillRect/>
+          </a:stretch>
+        </p:blipFill>
+        <p:spPr bwMode="auto">
+          <a:xfrm>
+            <a:off x="4193393" y="1752696"/>
+            <a:ext cx="1339347" cy="1339347"/>
+          </a:xfrm>
+          <a:prstGeom prst="ellipse">
+            <a:avLst/>
+          </a:prstGeom>
+          <a:ln w="63500" cap="rnd">
+            <a:noFill/>
+          </a:ln>
+          <a:effectLst/>
+          <a:scene3d>
+            <a:camera prst="orthographicFront"/>
+            <a:lightRig rig="contrasting" dir="t">
+              <a:rot lat="0" lon="0" rev="3000000"/>
+            </a:lightRig>
+          </a:scene3d>
+          <a:sp3d contourW="7620">
+            <a:bevelT w="95250" h="31750"/>
+            <a:contourClr>
+              <a:srgbClr val="333333"/>
+            </a:contourClr>
+          </a:sp3d>
+          <a:extLst>
+            <a:ext uri="{909E8E84-426E-40DD-AFC4-6F175D3DCCD1}">
+              <a14:hiddenFill xmlns:a14="http://schemas.microsoft.com/office/drawing/2010/main">
+                <a:solidFill>
+                  <a:srgbClr val="FFFFFF"/>
+                </a:solidFill>
+              </a14:hiddenFill>
+            </a:ext>
+          </a:extLst>
+        </p:spPr>
+      </p:pic>
+      <p:cxnSp>
+        <p:nvCxnSpPr>
+          <p:cNvPr id="8" name="Straight Arrow Connector 7">
+            <a:extLst>
+              <a:ext uri="{FF2B5EF4-FFF2-40B4-BE49-F238E27FC236}">
+                <a16:creationId xmlns:a16="http://schemas.microsoft.com/office/drawing/2014/main" id="{AE408900-8617-C45D-D124-0498820F296C}"/>
+              </a:ext>
+            </a:extLst>
+          </p:cNvPr>
+          <p:cNvCxnSpPr>
+            <a:cxnSpLocks/>
+            <a:endCxn id="5" idx="2"/>
+          </p:cNvCxnSpPr>
+          <p:nvPr/>
+        </p:nvCxnSpPr>
+        <p:spPr>
+          <a:xfrm>
+            <a:off x="3694679" y="2422370"/>
+            <a:ext cx="498714" cy="0"/>
+          </a:xfrm>
+          <a:prstGeom prst="straightConnector1">
+            <a:avLst/>
+          </a:prstGeom>
+          <a:ln w="57150" cap="flat" cmpd="sng" algn="ctr">
+            <a:solidFill>
+              <a:schemeClr val="accent1"/>
+            </a:solidFill>
+            <a:prstDash val="solid"/>
+            <a:round/>
+            <a:headEnd type="none" w="med" len="med"/>
+            <a:tailEnd type="arrow" w="med" len="med"/>
+          </a:ln>
+        </p:spPr>
+        <p:style>
+          <a:lnRef idx="0">
+            <a:scrgbClr r="0" g="0" b="0"/>
+          </a:lnRef>
+          <a:fillRef idx="0">
+            <a:scrgbClr r="0" g="0" b="0"/>
+          </a:fillRef>
+          <a:effectRef idx="0">
+            <a:scrgbClr r="0" g="0" b="0"/>
+          </a:effectRef>
+          <a:fontRef idx="minor">
+            <a:schemeClr val="tx1"/>
+          </a:fontRef>
+        </p:style>
+      </p:cxnSp>
+      <p:cxnSp>
+        <p:nvCxnSpPr>
+          <p:cNvPr id="14" name="Straight Arrow Connector 13">
+            <a:extLst>
+              <a:ext uri="{FF2B5EF4-FFF2-40B4-BE49-F238E27FC236}">
+                <a16:creationId xmlns:a16="http://schemas.microsoft.com/office/drawing/2014/main" id="{9F1294EF-9EE0-1E75-A4CE-14EDA927E27E}"/>
+              </a:ext>
+            </a:extLst>
+          </p:cNvPr>
+          <p:cNvCxnSpPr>
+            <a:cxnSpLocks/>
+          </p:cNvCxnSpPr>
+          <p:nvPr/>
+        </p:nvCxnSpPr>
+        <p:spPr>
+          <a:xfrm flipH="1">
+            <a:off x="7082181" y="2405198"/>
+            <a:ext cx="1842363" cy="948410"/>
+          </a:xfrm>
+          <a:prstGeom prst="straightConnector1">
+            <a:avLst/>
+          </a:prstGeom>
+          <a:ln w="57150" cap="flat" cmpd="sng" algn="ctr">
+            <a:solidFill>
+              <a:schemeClr val="accent1"/>
+            </a:solidFill>
+            <a:prstDash val="solid"/>
+            <a:round/>
+            <a:headEnd type="none" w="med" len="med"/>
+            <a:tailEnd type="arrow" w="med" len="med"/>
+          </a:ln>
+        </p:spPr>
+        <p:style>
+          <a:lnRef idx="0">
+            <a:scrgbClr r="0" g="0" b="0"/>
+          </a:lnRef>
+          <a:fillRef idx="0">
+            <a:scrgbClr r="0" g="0" b="0"/>
+          </a:fillRef>
+          <a:effectRef idx="0">
+            <a:scrgbClr r="0" g="0" b="0"/>
+          </a:effectRef>
+          <a:fontRef idx="minor">
+            <a:schemeClr val="tx1"/>
+          </a:fontRef>
+        </p:style>
+      </p:cxnSp>
+      <p:sp>
+        <p:nvSpPr>
+          <p:cNvPr id="18" name="Rectangle 17">
+            <a:extLst>
+              <a:ext uri="{FF2B5EF4-FFF2-40B4-BE49-F238E27FC236}">
+                <a16:creationId xmlns:a16="http://schemas.microsoft.com/office/drawing/2014/main" id="{0759DE00-3635-17AB-D7F9-04C94530CB5E}"/>
+              </a:ext>
+            </a:extLst>
+          </p:cNvPr>
+          <p:cNvSpPr/>
+          <p:nvPr/>
+        </p:nvSpPr>
+        <p:spPr>
+          <a:xfrm>
+            <a:off x="5856886" y="2906054"/>
+            <a:ext cx="1225295" cy="895109"/>
+          </a:xfrm>
+          <a:prstGeom prst="rect">
+            <a:avLst/>
+          </a:prstGeom>
+          <a:ln>
+            <a:noFill/>
+          </a:ln>
+        </p:spPr>
+        <p:style>
+          <a:lnRef idx="2">
+            <a:schemeClr val="accent4">
+              <a:shade val="15000"/>
+            </a:schemeClr>
+          </a:lnRef>
+          <a:fillRef idx="1">
+            <a:schemeClr val="accent4"/>
+          </a:fillRef>
+          <a:effectRef idx="0">
+            <a:schemeClr val="accent4"/>
+          </a:effectRef>
+          <a:fontRef idx="minor">
+            <a:schemeClr val="lt1"/>
+          </a:fontRef>
+        </p:style>
+        <p:txBody>
+          <a:bodyPr rtlCol="0" anchor="ctr"/>
+          <a:lstStyle/>
+          <a:p>
+            <a:pPr algn="ctr"/>
+            <a:r>
+              <a:rPr lang="en-GB" sz="1600" dirty="0">
+                <a:solidFill>
+                  <a:schemeClr val="accent1"/>
+                </a:solidFill>
+                <a:latin typeface="Poppins" panose="00000500000000000000" pitchFamily="2" charset="0"/>
+                <a:cs typeface="Poppins" panose="00000500000000000000" pitchFamily="2" charset="0"/>
+              </a:rPr>
+              <a:t>Mapping</a:t>
+            </a:r>
+          </a:p>
+        </p:txBody>
+      </p:sp>
+      <p:cxnSp>
+        <p:nvCxnSpPr>
+          <p:cNvPr id="19" name="Straight Arrow Connector 18">
+            <a:extLst>
+              <a:ext uri="{FF2B5EF4-FFF2-40B4-BE49-F238E27FC236}">
+                <a16:creationId xmlns:a16="http://schemas.microsoft.com/office/drawing/2014/main" id="{8DC4C7D8-4F9D-1D46-F28C-F2FE0435B65E}"/>
+              </a:ext>
+            </a:extLst>
+          </p:cNvPr>
+          <p:cNvCxnSpPr>
+            <a:cxnSpLocks/>
+            <a:stCxn id="5" idx="5"/>
+            <a:endCxn id="18" idx="1"/>
+          </p:cNvCxnSpPr>
+          <p:nvPr/>
+        </p:nvCxnSpPr>
+        <p:spPr>
+          <a:xfrm>
+            <a:off x="5336597" y="2895900"/>
+            <a:ext cx="520289" cy="457709"/>
+          </a:xfrm>
+          <a:prstGeom prst="straightConnector1">
+            <a:avLst/>
+          </a:prstGeom>
+          <a:ln w="57150" cap="flat" cmpd="sng" algn="ctr">
+            <a:solidFill>
+              <a:schemeClr val="accent1"/>
+            </a:solidFill>
+            <a:prstDash val="solid"/>
+            <a:round/>
+            <a:headEnd type="none" w="med" len="med"/>
+            <a:tailEnd type="arrow" w="med" len="med"/>
+          </a:ln>
+        </p:spPr>
+        <p:style>
+          <a:lnRef idx="0">
+            <a:scrgbClr r="0" g="0" b="0"/>
+          </a:lnRef>
+          <a:fillRef idx="0">
+            <a:scrgbClr r="0" g="0" b="0"/>
+          </a:fillRef>
+          <a:effectRef idx="0">
+            <a:scrgbClr r="0" g="0" b="0"/>
+          </a:effectRef>
+          <a:fontRef idx="minor">
+            <a:schemeClr val="tx1"/>
+          </a:fontRef>
+        </p:style>
+      </p:cxnSp>
+      <p:sp>
+        <p:nvSpPr>
+          <p:cNvPr id="26" name="Rectangle 25">
+            <a:extLst>
+              <a:ext uri="{FF2B5EF4-FFF2-40B4-BE49-F238E27FC236}">
+                <a16:creationId xmlns:a16="http://schemas.microsoft.com/office/drawing/2014/main" id="{1C5D55D6-8C01-EB82-66DA-126160178D59}"/>
+              </a:ext>
+            </a:extLst>
+          </p:cNvPr>
+          <p:cNvSpPr/>
+          <p:nvPr/>
+        </p:nvSpPr>
+        <p:spPr>
+          <a:xfrm>
+            <a:off x="9144547" y="463944"/>
+            <a:ext cx="2389632" cy="1329139"/>
+          </a:xfrm>
+          <a:prstGeom prst="rect">
+            <a:avLst/>
+          </a:prstGeom>
+          <a:ln>
+            <a:noFill/>
+          </a:ln>
+        </p:spPr>
+        <p:style>
+          <a:lnRef idx="2">
+            <a:schemeClr val="accent1">
+              <a:shade val="15000"/>
+            </a:schemeClr>
+          </a:lnRef>
+          <a:fillRef idx="1">
+            <a:schemeClr val="accent1"/>
+          </a:fillRef>
+          <a:effectRef idx="0">
+            <a:schemeClr val="accent1"/>
+          </a:effectRef>
+          <a:fontRef idx="minor">
+            <a:schemeClr val="lt1"/>
+          </a:fontRef>
+        </p:style>
+        <p:txBody>
+          <a:bodyPr rtlCol="0" anchor="ctr"/>
+          <a:lstStyle/>
+          <a:p>
+            <a:pPr marL="228600" indent="-228600">
+              <a:buFont typeface="+mj-lt"/>
+              <a:buAutoNum type="arabicPeriod"/>
+            </a:pPr>
+            <a:r>
+              <a:rPr lang="en-US" sz="1100" dirty="0">
+                <a:solidFill>
+                  <a:schemeClr val="bg2"/>
+                </a:solidFill>
+                <a:latin typeface="Poppins" panose="00000500000000000000" pitchFamily="2" charset="0"/>
+                <a:cs typeface="Poppins" panose="00000500000000000000" pitchFamily="2" charset="0"/>
+              </a:rPr>
+              <a:t>{'theme': 'Communication &amp; Information Provision', 'sentiment': 1}, </a:t>
+            </a:r>
+          </a:p>
+          <a:p>
+            <a:pPr marL="228600" indent="-228600">
+              <a:buFont typeface="+mj-lt"/>
+              <a:buAutoNum type="arabicPeriod"/>
+            </a:pPr>
+            <a:r>
+              <a:rPr lang="en-US" sz="1100" dirty="0">
+                <a:solidFill>
+                  <a:schemeClr val="bg2"/>
+                </a:solidFill>
+                <a:latin typeface="Poppins" panose="00000500000000000000" pitchFamily="2" charset="0"/>
+                <a:cs typeface="Poppins" panose="00000500000000000000" pitchFamily="2" charset="0"/>
+              </a:rPr>
+              <a:t>{'theme': 'Project Planning &amp; </a:t>
+            </a:r>
+            <a:r>
+              <a:rPr lang="en-US" sz="1100" dirty="0" err="1">
+                <a:solidFill>
+                  <a:schemeClr val="bg2"/>
+                </a:solidFill>
+                <a:latin typeface="Poppins" panose="00000500000000000000" pitchFamily="2" charset="0"/>
+                <a:cs typeface="Poppins" panose="00000500000000000000" pitchFamily="2" charset="0"/>
+              </a:rPr>
+              <a:t>Organisation</a:t>
+            </a:r>
+            <a:r>
+              <a:rPr lang="en-US" sz="1100" dirty="0">
+                <a:solidFill>
+                  <a:schemeClr val="bg2"/>
+                </a:solidFill>
+                <a:latin typeface="Poppins" panose="00000500000000000000" pitchFamily="2" charset="0"/>
+                <a:cs typeface="Poppins" panose="00000500000000000000" pitchFamily="2" charset="0"/>
+              </a:rPr>
+              <a:t>', 'sentiment': 1}</a:t>
+            </a:r>
+            <a:endParaRPr lang="en-GB" sz="800" dirty="0">
+              <a:solidFill>
+                <a:schemeClr val="bg2"/>
+              </a:solidFill>
+            </a:endParaRPr>
+          </a:p>
+        </p:txBody>
+      </p:sp>
+      <p:sp>
+        <p:nvSpPr>
+          <p:cNvPr id="27" name="Rectangle 26">
+            <a:extLst>
+              <a:ext uri="{FF2B5EF4-FFF2-40B4-BE49-F238E27FC236}">
+                <a16:creationId xmlns:a16="http://schemas.microsoft.com/office/drawing/2014/main" id="{61F4FC8E-EC7D-0EB5-A748-DA857BC84D2E}"/>
+              </a:ext>
+            </a:extLst>
+          </p:cNvPr>
+          <p:cNvSpPr/>
+          <p:nvPr/>
+        </p:nvSpPr>
+        <p:spPr>
+          <a:xfrm>
+            <a:off x="9144547" y="1896906"/>
+            <a:ext cx="2861525" cy="1424795"/>
+          </a:xfrm>
+          <a:prstGeom prst="rect">
+            <a:avLst/>
+          </a:prstGeom>
+          <a:ln>
+            <a:noFill/>
+          </a:ln>
+        </p:spPr>
+        <p:style>
+          <a:lnRef idx="2">
+            <a:schemeClr val="accent1">
+              <a:shade val="15000"/>
+            </a:schemeClr>
+          </a:lnRef>
+          <a:fillRef idx="1">
+            <a:schemeClr val="accent1"/>
+          </a:fillRef>
+          <a:effectRef idx="0">
+            <a:schemeClr val="accent1"/>
+          </a:effectRef>
+          <a:fontRef idx="minor">
+            <a:schemeClr val="lt1"/>
+          </a:fontRef>
+        </p:style>
+        <p:txBody>
+          <a:bodyPr rtlCol="0" anchor="ctr"/>
+          <a:lstStyle/>
+          <a:p>
+            <a:pPr marL="228600" indent="-228600">
+              <a:buFont typeface="+mj-lt"/>
+              <a:buAutoNum type="arabicPeriod"/>
+            </a:pPr>
+            <a:r>
+              <a:rPr lang="en-US" sz="1100" dirty="0">
+                <a:solidFill>
+                  <a:schemeClr val="bg2"/>
+                </a:solidFill>
+                <a:latin typeface="Poppins" panose="00000500000000000000" pitchFamily="2" charset="0"/>
+                <a:cs typeface="Poppins" panose="00000500000000000000" pitchFamily="2" charset="0"/>
+              </a:rPr>
+              <a:t>[{'theme': 'Worker Conduct', 'sentiment': 5}, </a:t>
+            </a:r>
+          </a:p>
+          <a:p>
+            <a:pPr marL="228600" indent="-228600">
+              <a:buFont typeface="+mj-lt"/>
+              <a:buAutoNum type="arabicPeriod"/>
+            </a:pPr>
+            <a:r>
+              <a:rPr lang="en-US" sz="1100" dirty="0">
+                <a:solidFill>
+                  <a:schemeClr val="bg2"/>
+                </a:solidFill>
+                <a:latin typeface="Poppins" panose="00000500000000000000" pitchFamily="2" charset="0"/>
+                <a:cs typeface="Poppins" panose="00000500000000000000" pitchFamily="2" charset="0"/>
+              </a:rPr>
+              <a:t>{'theme': 'Project Efficiency', 'sentiment': 5}, {</a:t>
+            </a:r>
+          </a:p>
+          <a:p>
+            <a:pPr marL="228600" indent="-228600">
+              <a:buFont typeface="+mj-lt"/>
+              <a:buAutoNum type="arabicPeriod"/>
+            </a:pPr>
+            <a:r>
+              <a:rPr lang="en-US" sz="1100" dirty="0">
+                <a:solidFill>
+                  <a:schemeClr val="bg2"/>
+                </a:solidFill>
+                <a:latin typeface="Poppins" panose="00000500000000000000" pitchFamily="2" charset="0"/>
+                <a:cs typeface="Poppins" panose="00000500000000000000" pitchFamily="2" charset="0"/>
+              </a:rPr>
+              <a:t>'theme': 'Scheduling and Planning', 'sentiment': 2}, </a:t>
+            </a:r>
+          </a:p>
+          <a:p>
+            <a:pPr marL="228600" indent="-228600">
+              <a:buFont typeface="+mj-lt"/>
+              <a:buAutoNum type="arabicPeriod"/>
+            </a:pPr>
+            <a:r>
+              <a:rPr lang="en-US" sz="1100" dirty="0">
+                <a:solidFill>
+                  <a:schemeClr val="bg2"/>
+                </a:solidFill>
+                <a:latin typeface="Poppins" panose="00000500000000000000" pitchFamily="2" charset="0"/>
+                <a:cs typeface="Poppins" panose="00000500000000000000" pitchFamily="2" charset="0"/>
+              </a:rPr>
+              <a:t>{'theme': 'Disruption', 'sentiment': 2}]</a:t>
+            </a:r>
+            <a:endParaRPr lang="en-GB" sz="800" dirty="0">
+              <a:solidFill>
+                <a:schemeClr val="bg2"/>
+              </a:solidFill>
+            </a:endParaRPr>
+          </a:p>
+        </p:txBody>
+      </p:sp>
+      <p:sp>
+        <p:nvSpPr>
+          <p:cNvPr id="36" name="Rectangle 35">
+            <a:extLst>
+              <a:ext uri="{FF2B5EF4-FFF2-40B4-BE49-F238E27FC236}">
+                <a16:creationId xmlns:a16="http://schemas.microsoft.com/office/drawing/2014/main" id="{52ECC970-D078-A57C-FFDE-A13AA72C64D1}"/>
+              </a:ext>
+            </a:extLst>
+          </p:cNvPr>
+          <p:cNvSpPr/>
+          <p:nvPr/>
+        </p:nvSpPr>
+        <p:spPr>
+          <a:xfrm>
+            <a:off x="283464" y="4370831"/>
+            <a:ext cx="5053133" cy="543417"/>
+          </a:xfrm>
+          <a:prstGeom prst="rect">
+            <a:avLst/>
+          </a:prstGeom>
+          <a:ln>
+            <a:noFill/>
+          </a:ln>
+        </p:spPr>
+        <p:style>
+          <a:lnRef idx="2">
+            <a:schemeClr val="accent1">
+              <a:shade val="15000"/>
+            </a:schemeClr>
+          </a:lnRef>
+          <a:fillRef idx="1">
+            <a:schemeClr val="accent1"/>
+          </a:fillRef>
+          <a:effectRef idx="0">
+            <a:schemeClr val="accent1"/>
+          </a:effectRef>
+          <a:fontRef idx="minor">
+            <a:schemeClr val="lt1"/>
+          </a:fontRef>
+        </p:style>
+        <p:txBody>
+          <a:bodyPr rtlCol="0" anchor="ctr"/>
+          <a:lstStyle/>
+          <a:p>
+            <a:pPr marL="228600" indent="-228600">
+              <a:buFont typeface="+mj-lt"/>
+              <a:buAutoNum type="arabicPeriod"/>
+            </a:pPr>
+            <a:r>
+              <a:rPr lang="en-US" sz="1050" dirty="0">
+                <a:solidFill>
+                  <a:schemeClr val="bg2"/>
+                </a:solidFill>
+                <a:latin typeface="Poppins" panose="00000500000000000000" pitchFamily="2" charset="0"/>
+                <a:cs typeface="Poppins" panose="00000500000000000000" pitchFamily="2" charset="0"/>
+              </a:rPr>
+              <a:t>{'</a:t>
+            </a:r>
+            <a:r>
+              <a:rPr lang="en-US" sz="1050" dirty="0" err="1">
+                <a:solidFill>
+                  <a:schemeClr val="bg2"/>
+                </a:solidFill>
+                <a:latin typeface="Poppins" panose="00000500000000000000" pitchFamily="2" charset="0"/>
+                <a:cs typeface="Poppins" panose="00000500000000000000" pitchFamily="2" charset="0"/>
+              </a:rPr>
+              <a:t>final_theme</a:t>
+            </a:r>
+            <a:r>
+              <a:rPr lang="en-US" sz="1050" dirty="0">
+                <a:solidFill>
+                  <a:schemeClr val="bg2"/>
+                </a:solidFill>
+                <a:latin typeface="Poppins" panose="00000500000000000000" pitchFamily="2" charset="0"/>
+                <a:cs typeface="Poppins" panose="00000500000000000000" pitchFamily="2" charset="0"/>
+              </a:rPr>
+              <a:t>': 'Service Quality and Customer Care', 'sentiment': 1}</a:t>
+            </a:r>
+          </a:p>
+          <a:p>
+            <a:pPr marL="228600" indent="-228600">
+              <a:buFont typeface="+mj-lt"/>
+              <a:buAutoNum type="arabicPeriod"/>
+            </a:pPr>
+            <a:r>
+              <a:rPr lang="en-US" sz="1050" dirty="0">
+                <a:solidFill>
+                  <a:schemeClr val="bg2"/>
+                </a:solidFill>
+                <a:latin typeface="Poppins" panose="00000500000000000000" pitchFamily="2" charset="0"/>
+                <a:cs typeface="Poppins" panose="00000500000000000000" pitchFamily="2" charset="0"/>
+              </a:rPr>
+              <a:t>{'</a:t>
+            </a:r>
+            <a:r>
+              <a:rPr lang="en-US" sz="1050" dirty="0" err="1">
+                <a:solidFill>
+                  <a:schemeClr val="bg2"/>
+                </a:solidFill>
+                <a:latin typeface="Poppins" panose="00000500000000000000" pitchFamily="2" charset="0"/>
+                <a:cs typeface="Poppins" panose="00000500000000000000" pitchFamily="2" charset="0"/>
+              </a:rPr>
+              <a:t>final_theme</a:t>
+            </a:r>
+            <a:r>
+              <a:rPr lang="en-US" sz="1050" dirty="0">
+                <a:solidFill>
+                  <a:schemeClr val="bg2"/>
+                </a:solidFill>
+                <a:latin typeface="Poppins" panose="00000500000000000000" pitchFamily="2" charset="0"/>
+                <a:cs typeface="Poppins" panose="00000500000000000000" pitchFamily="2" charset="0"/>
+              </a:rPr>
+              <a:t>': 'Project Management and Outcomes', 'sentiment': 1}]</a:t>
+            </a:r>
+            <a:endParaRPr lang="en-GB" sz="700" dirty="0">
+              <a:solidFill>
+                <a:schemeClr val="bg2"/>
+              </a:solidFill>
+            </a:endParaRPr>
+          </a:p>
+        </p:txBody>
+      </p:sp>
+      <p:sp>
+        <p:nvSpPr>
+          <p:cNvPr id="38" name="TextBox 37">
+            <a:extLst>
+              <a:ext uri="{FF2B5EF4-FFF2-40B4-BE49-F238E27FC236}">
+                <a16:creationId xmlns:a16="http://schemas.microsoft.com/office/drawing/2014/main" id="{CDBF255A-10A7-8A49-12C0-28D3FB07606C}"/>
+              </a:ext>
+            </a:extLst>
+          </p:cNvPr>
+          <p:cNvSpPr txBox="1"/>
+          <p:nvPr/>
+        </p:nvSpPr>
+        <p:spPr>
+          <a:xfrm>
+            <a:off x="4411076" y="6000833"/>
+            <a:ext cx="213709" cy="307777"/>
+          </a:xfrm>
+          <a:prstGeom prst="rect">
+            <a:avLst/>
+          </a:prstGeom>
+          <a:noFill/>
+        </p:spPr>
+        <p:txBody>
+          <a:bodyPr wrap="square" rtlCol="0">
+            <a:spAutoFit/>
+          </a:bodyPr>
+          <a:lstStyle/>
+          <a:p>
+            <a:r>
+              <a:rPr lang="en-GB" sz="1400" dirty="0"/>
+              <a:t>.</a:t>
+            </a:r>
+          </a:p>
+        </p:txBody>
+      </p:sp>
+      <p:sp>
+        <p:nvSpPr>
+          <p:cNvPr id="39" name="Rectangle 38">
+            <a:extLst>
+              <a:ext uri="{FF2B5EF4-FFF2-40B4-BE49-F238E27FC236}">
+                <a16:creationId xmlns:a16="http://schemas.microsoft.com/office/drawing/2014/main" id="{39B4EF07-0517-A2EF-591A-C18702894A37}"/>
+              </a:ext>
+            </a:extLst>
+          </p:cNvPr>
+          <p:cNvSpPr/>
+          <p:nvPr/>
+        </p:nvSpPr>
+        <p:spPr>
+          <a:xfrm>
+            <a:off x="2885291" y="6377441"/>
+            <a:ext cx="2451306" cy="288270"/>
+          </a:xfrm>
+          <a:prstGeom prst="rect">
+            <a:avLst/>
+          </a:prstGeom>
+          <a:ln>
+            <a:noFill/>
+          </a:ln>
+        </p:spPr>
+        <p:style>
+          <a:lnRef idx="2">
+            <a:schemeClr val="accent1">
+              <a:shade val="15000"/>
+            </a:schemeClr>
+          </a:lnRef>
+          <a:fillRef idx="1">
+            <a:schemeClr val="accent1"/>
+          </a:fillRef>
+          <a:effectRef idx="0">
+            <a:schemeClr val="accent1"/>
+          </a:effectRef>
+          <a:fontRef idx="minor">
+            <a:schemeClr val="lt1"/>
+          </a:fontRef>
+        </p:style>
+        <p:txBody>
+          <a:bodyPr rtlCol="0" anchor="ctr"/>
+          <a:lstStyle/>
+          <a:p>
+            <a:pPr algn="ctr"/>
+            <a:r>
+              <a:rPr lang="en-GB" sz="700" dirty="0">
+                <a:solidFill>
+                  <a:schemeClr val="bg2"/>
+                </a:solidFill>
+              </a:rPr>
+              <a:t>“……” </a:t>
+            </a:r>
+          </a:p>
+        </p:txBody>
+      </p:sp>
+      <p:sp>
+        <p:nvSpPr>
+          <p:cNvPr id="41" name="Rectangle 40">
+            <a:extLst>
+              <a:ext uri="{FF2B5EF4-FFF2-40B4-BE49-F238E27FC236}">
+                <a16:creationId xmlns:a16="http://schemas.microsoft.com/office/drawing/2014/main" id="{BBE82583-99F3-0449-13F7-465660B7359B}"/>
+              </a:ext>
+            </a:extLst>
+          </p:cNvPr>
+          <p:cNvSpPr/>
+          <p:nvPr/>
+        </p:nvSpPr>
+        <p:spPr>
+          <a:xfrm>
+            <a:off x="283464" y="5077478"/>
+            <a:ext cx="5053133" cy="923355"/>
+          </a:xfrm>
+          <a:prstGeom prst="rect">
+            <a:avLst/>
+          </a:prstGeom>
+          <a:ln>
+            <a:noFill/>
+          </a:ln>
+        </p:spPr>
+        <p:style>
+          <a:lnRef idx="2">
+            <a:schemeClr val="accent1">
+              <a:shade val="15000"/>
+            </a:schemeClr>
+          </a:lnRef>
+          <a:fillRef idx="1">
+            <a:schemeClr val="accent1"/>
+          </a:fillRef>
+          <a:effectRef idx="0">
+            <a:schemeClr val="accent1"/>
+          </a:effectRef>
+          <a:fontRef idx="minor">
+            <a:schemeClr val="lt1"/>
+          </a:fontRef>
+        </p:style>
+        <p:txBody>
+          <a:bodyPr rtlCol="0" anchor="ctr"/>
+          <a:lstStyle/>
+          <a:p>
+            <a:pPr marL="228600" indent="-228600">
+              <a:buFont typeface="+mj-lt"/>
+              <a:buAutoNum type="arabicPeriod"/>
+            </a:pPr>
+            <a:r>
+              <a:rPr lang="en-US" sz="1050" dirty="0">
+                <a:solidFill>
+                  <a:schemeClr val="bg2"/>
+                </a:solidFill>
+                <a:latin typeface="Poppins" panose="00000500000000000000" pitchFamily="2" charset="0"/>
+                <a:cs typeface="Poppins" panose="00000500000000000000" pitchFamily="2" charset="0"/>
+              </a:rPr>
+              <a:t>[{'</a:t>
+            </a:r>
+            <a:r>
+              <a:rPr lang="en-US" sz="1050" dirty="0" err="1">
+                <a:solidFill>
+                  <a:schemeClr val="bg2"/>
+                </a:solidFill>
+                <a:latin typeface="Poppins" panose="00000500000000000000" pitchFamily="2" charset="0"/>
+                <a:cs typeface="Poppins" panose="00000500000000000000" pitchFamily="2" charset="0"/>
+              </a:rPr>
+              <a:t>final_theme</a:t>
+            </a:r>
+            <a:r>
+              <a:rPr lang="en-US" sz="1050" dirty="0">
+                <a:solidFill>
+                  <a:schemeClr val="bg2"/>
+                </a:solidFill>
+                <a:latin typeface="Poppins" panose="00000500000000000000" pitchFamily="2" charset="0"/>
+                <a:cs typeface="Poppins" panose="00000500000000000000" pitchFamily="2" charset="0"/>
+              </a:rPr>
+              <a:t>': 'Service Quality and Customer Care', 'sentiment': 5}, </a:t>
+            </a:r>
+          </a:p>
+          <a:p>
+            <a:pPr marL="228600" indent="-228600">
+              <a:buFont typeface="+mj-lt"/>
+              <a:buAutoNum type="arabicPeriod"/>
+            </a:pPr>
+            <a:r>
+              <a:rPr lang="en-US" sz="1050" dirty="0">
+                <a:solidFill>
+                  <a:schemeClr val="bg2"/>
+                </a:solidFill>
+                <a:latin typeface="Poppins" panose="00000500000000000000" pitchFamily="2" charset="0"/>
+                <a:cs typeface="Poppins" panose="00000500000000000000" pitchFamily="2" charset="0"/>
+              </a:rPr>
+              <a:t>{'</a:t>
+            </a:r>
+            <a:r>
+              <a:rPr lang="en-US" sz="1050" dirty="0" err="1">
+                <a:solidFill>
+                  <a:schemeClr val="bg2"/>
+                </a:solidFill>
+                <a:latin typeface="Poppins" panose="00000500000000000000" pitchFamily="2" charset="0"/>
+                <a:cs typeface="Poppins" panose="00000500000000000000" pitchFamily="2" charset="0"/>
+              </a:rPr>
+              <a:t>final_theme</a:t>
+            </a:r>
+            <a:r>
+              <a:rPr lang="en-US" sz="1050" dirty="0">
+                <a:solidFill>
+                  <a:schemeClr val="bg2"/>
+                </a:solidFill>
+                <a:latin typeface="Poppins" panose="00000500000000000000" pitchFamily="2" charset="0"/>
+                <a:cs typeface="Poppins" panose="00000500000000000000" pitchFamily="2" charset="0"/>
+              </a:rPr>
+              <a:t>': 'Project Management and Outcomes', 'sentiment': 5}, </a:t>
+            </a:r>
+          </a:p>
+          <a:p>
+            <a:pPr marL="228600" indent="-228600">
+              <a:buFont typeface="+mj-lt"/>
+              <a:buAutoNum type="arabicPeriod"/>
+            </a:pPr>
+            <a:r>
+              <a:rPr lang="en-US" sz="1050" dirty="0">
+                <a:solidFill>
+                  <a:schemeClr val="bg2"/>
+                </a:solidFill>
+                <a:latin typeface="Poppins" panose="00000500000000000000" pitchFamily="2" charset="0"/>
+                <a:cs typeface="Poppins" panose="00000500000000000000" pitchFamily="2" charset="0"/>
+              </a:rPr>
+              <a:t>{'</a:t>
+            </a:r>
+            <a:r>
+              <a:rPr lang="en-US" sz="1050" dirty="0" err="1">
+                <a:solidFill>
+                  <a:schemeClr val="bg2"/>
+                </a:solidFill>
+                <a:latin typeface="Poppins" panose="00000500000000000000" pitchFamily="2" charset="0"/>
+                <a:cs typeface="Poppins" panose="00000500000000000000" pitchFamily="2" charset="0"/>
+              </a:rPr>
+              <a:t>final_theme</a:t>
+            </a:r>
+            <a:r>
+              <a:rPr lang="en-US" sz="1050" dirty="0">
+                <a:solidFill>
+                  <a:schemeClr val="bg2"/>
+                </a:solidFill>
+                <a:latin typeface="Poppins" panose="00000500000000000000" pitchFamily="2" charset="0"/>
+                <a:cs typeface="Poppins" panose="00000500000000000000" pitchFamily="2" charset="0"/>
+              </a:rPr>
+              <a:t>': 'Operational Scheduling and Timing', 'sentiment': 2}, </a:t>
+            </a:r>
+          </a:p>
+          <a:p>
+            <a:pPr marL="228600" indent="-228600">
+              <a:buFont typeface="+mj-lt"/>
+              <a:buAutoNum type="arabicPeriod"/>
+            </a:pPr>
+            <a:r>
+              <a:rPr lang="en-US" sz="1050" dirty="0">
+                <a:solidFill>
+                  <a:schemeClr val="bg2"/>
+                </a:solidFill>
+                <a:latin typeface="Poppins" panose="00000500000000000000" pitchFamily="2" charset="0"/>
+                <a:cs typeface="Poppins" panose="00000500000000000000" pitchFamily="2" charset="0"/>
+              </a:rPr>
+              <a:t>{'</a:t>
+            </a:r>
+            <a:r>
+              <a:rPr lang="en-US" sz="1050" dirty="0" err="1">
+                <a:solidFill>
+                  <a:schemeClr val="bg2"/>
+                </a:solidFill>
+                <a:latin typeface="Poppins" panose="00000500000000000000" pitchFamily="2" charset="0"/>
+                <a:cs typeface="Poppins" panose="00000500000000000000" pitchFamily="2" charset="0"/>
+              </a:rPr>
+              <a:t>final_theme</a:t>
+            </a:r>
+            <a:r>
+              <a:rPr lang="en-US" sz="1050" dirty="0">
+                <a:solidFill>
+                  <a:schemeClr val="bg2"/>
+                </a:solidFill>
+                <a:latin typeface="Poppins" panose="00000500000000000000" pitchFamily="2" charset="0"/>
+                <a:cs typeface="Poppins" panose="00000500000000000000" pitchFamily="2" charset="0"/>
+              </a:rPr>
+              <a:t>': 'Noise Disruption', 'sentiment': 2}]</a:t>
+            </a:r>
+            <a:endParaRPr lang="en-GB" sz="700" dirty="0">
+              <a:solidFill>
+                <a:schemeClr val="bg2"/>
+              </a:solidFill>
+            </a:endParaRPr>
+          </a:p>
+        </p:txBody>
+      </p:sp>
+      <p:cxnSp>
+        <p:nvCxnSpPr>
+          <p:cNvPr id="42" name="Straight Arrow Connector 41">
+            <a:extLst>
+              <a:ext uri="{FF2B5EF4-FFF2-40B4-BE49-F238E27FC236}">
+                <a16:creationId xmlns:a16="http://schemas.microsoft.com/office/drawing/2014/main" id="{27562007-F84F-212A-8402-DA436207B990}"/>
+              </a:ext>
+            </a:extLst>
+          </p:cNvPr>
+          <p:cNvCxnSpPr>
+            <a:cxnSpLocks/>
+            <a:stCxn id="18" idx="2"/>
+          </p:cNvCxnSpPr>
+          <p:nvPr/>
+        </p:nvCxnSpPr>
+        <p:spPr>
+          <a:xfrm flipH="1">
+            <a:off x="5415471" y="3801163"/>
+            <a:ext cx="1054063" cy="1326793"/>
+          </a:xfrm>
+          <a:prstGeom prst="straightConnector1">
+            <a:avLst/>
+          </a:prstGeom>
+          <a:ln w="57150" cap="flat" cmpd="sng" algn="ctr">
+            <a:solidFill>
+              <a:schemeClr val="accent1"/>
+            </a:solidFill>
+            <a:prstDash val="solid"/>
+            <a:round/>
+            <a:headEnd type="none" w="med" len="med"/>
+            <a:tailEnd type="arrow" w="med" len="med"/>
+          </a:ln>
+        </p:spPr>
+        <p:style>
+          <a:lnRef idx="0">
+            <a:scrgbClr r="0" g="0" b="0"/>
+          </a:lnRef>
+          <a:fillRef idx="0">
+            <a:scrgbClr r="0" g="0" b="0"/>
+          </a:fillRef>
+          <a:effectRef idx="0">
+            <a:scrgbClr r="0" g="0" b="0"/>
+          </a:effectRef>
+          <a:fontRef idx="minor">
+            <a:schemeClr val="tx1"/>
+          </a:fontRef>
+        </p:style>
+      </p:cxnSp>
+    </p:spTree>
+    <p:extLst>
+      <p:ext uri="{BB962C8B-B14F-4D97-AF65-F5344CB8AC3E}">
+        <p14:creationId xmlns:p14="http://schemas.microsoft.com/office/powerpoint/2010/main" val="1249611483"/>
+      </p:ext>
+    </p:extLst>
+  </p:cSld>
+  <p:clrMapOvr>
+    <a:masterClrMapping/>
+  </p:clrMapOvr>
 </p:sld>
 </file>
 
